--- a/答辩PPT.pptx
+++ b/答辩PPT.pptx
@@ -5,11 +5,14 @@
     <p:sldMasterId id="2147483648" r:id="rId1"/>
   </p:sldMasterIdLst>
   <p:notesMasterIdLst>
-    <p:notesMasterId r:id="rId5"/>
+    <p:notesMasterId r:id="rId8"/>
   </p:notesMasterIdLst>
   <p:sldIdLst>
     <p:sldId id="409" r:id="rId3"/>
     <p:sldId id="410" r:id="rId4"/>
+    <p:sldId id="411" r:id="rId5"/>
+    <p:sldId id="412" r:id="rId6"/>
+    <p:sldId id="413" r:id="rId7"/>
   </p:sldIdLst>
   <p:sldSz cx="12192000" cy="6858000"/>
   <p:notesSz cx="6858000" cy="9144000"/>
@@ -3575,7 +3578,14 @@
           <a:p>
             <a:r>
               <a:rPr lang="zh-CN" altLang="zh-CN"/>
-              <a:t>基于用户体验的外卖平台网站设计与实现</a:t>
+              <a:t>基于用户体验的外卖平台</a:t>
+            </a:r>
+            <a:br>
+              <a:rPr lang="zh-CN" altLang="zh-CN"/>
+            </a:br>
+            <a:r>
+              <a:rPr lang="zh-CN" altLang="zh-CN"/>
+              <a:t>网站设计与实现</a:t>
             </a:r>
             <a:endParaRPr lang="zh-CN" altLang="zh-CN"/>
           </a:p>
@@ -4034,6 +4044,1172 @@
 </p:sld>
 </file>
 
+<file path=ppt/slides/slide3.xml><?xml version="1.0" encoding="utf-8"?>
+<p:sld xmlns:a="http://schemas.openxmlformats.org/drawingml/2006/main" xmlns:r="http://schemas.openxmlformats.org/officeDocument/2006/relationships" xmlns:p="http://schemas.openxmlformats.org/presentationml/2006/main">
+  <p:cSld>
+    <p:bg>
+      <p:bgPr>
+        <a:solidFill>
+          <a:schemeClr val="bg1"/>
+        </a:solidFill>
+        <a:effectLst/>
+      </p:bgPr>
+    </p:bg>
+    <p:spTree>
+      <p:nvGrpSpPr>
+        <p:cNvPr id="1" name=""/>
+        <p:cNvGrpSpPr/>
+        <p:nvPr/>
+      </p:nvGrpSpPr>
+      <p:grpSpPr>
+        <a:xfrm>
+          <a:off x="0" y="0"/>
+          <a:ext cx="0" cy="0"/>
+          <a:chOff x="0" y="0"/>
+          <a:chExt cx="0" cy="0"/>
+        </a:xfrm>
+      </p:grpSpPr>
+      <p:sp>
+        <p:nvSpPr>
+          <p:cNvPr id="4" name="矩形 3"/>
+          <p:cNvSpPr/>
+          <p:nvPr/>
+        </p:nvSpPr>
+        <p:spPr>
+          <a:xfrm>
+            <a:off x="-41275" y="0"/>
+            <a:ext cx="12232640" cy="1104265"/>
+          </a:xfrm>
+          <a:prstGeom prst="rect">
+            <a:avLst/>
+          </a:prstGeom>
+          <a:solidFill>
+            <a:srgbClr val="DA2128"/>
+          </a:solidFill>
+          <a:ln>
+            <a:noFill/>
+          </a:ln>
+        </p:spPr>
+        <p:style>
+          <a:lnRef idx="2">
+            <a:schemeClr val="accent1">
+              <a:shade val="50000"/>
+            </a:schemeClr>
+          </a:lnRef>
+          <a:fillRef idx="1">
+            <a:schemeClr val="accent1"/>
+          </a:fillRef>
+          <a:effectRef idx="0">
+            <a:schemeClr val="accent1"/>
+          </a:effectRef>
+          <a:fontRef idx="minor">
+            <a:schemeClr val="lt1"/>
+          </a:fontRef>
+        </p:style>
+        <p:txBody>
+          <a:bodyPr rtlCol="0" anchor="ctr"/>
+          <a:p>
+            <a:pPr algn="ctr"/>
+            <a:endParaRPr lang="zh-CN" altLang="en-US"/>
+          </a:p>
+        </p:txBody>
+      </p:sp>
+      <p:pic>
+        <p:nvPicPr>
+          <p:cNvPr id="5" name="图片 4" descr="logo"/>
+          <p:cNvPicPr>
+            <a:picLocks noChangeAspect="1"/>
+          </p:cNvPicPr>
+          <p:nvPr/>
+        </p:nvPicPr>
+        <p:blipFill>
+          <a:blip r:embed="rId1"/>
+          <a:stretch>
+            <a:fillRect/>
+          </a:stretch>
+        </p:blipFill>
+        <p:spPr>
+          <a:xfrm>
+            <a:off x="662940" y="262255"/>
+            <a:ext cx="2931160" cy="652145"/>
+          </a:xfrm>
+          <a:prstGeom prst="rect">
+            <a:avLst/>
+          </a:prstGeom>
+        </p:spPr>
+      </p:pic>
+      <p:pic>
+        <p:nvPicPr>
+          <p:cNvPr id="6" name="图片 5" descr="head_bg"/>
+          <p:cNvPicPr>
+            <a:picLocks noChangeAspect="1"/>
+          </p:cNvPicPr>
+          <p:nvPr/>
+        </p:nvPicPr>
+        <p:blipFill>
+          <a:blip r:embed="rId2"/>
+          <a:stretch>
+            <a:fillRect/>
+          </a:stretch>
+        </p:blipFill>
+        <p:spPr>
+          <a:xfrm>
+            <a:off x="7825105" y="64770"/>
+            <a:ext cx="4227830" cy="974725"/>
+          </a:xfrm>
+          <a:prstGeom prst="rect">
+            <a:avLst/>
+          </a:prstGeom>
+        </p:spPr>
+      </p:pic>
+      <p:sp>
+        <p:nvSpPr>
+          <p:cNvPr id="7" name="文本框 6"/>
+          <p:cNvSpPr txBox="1"/>
+          <p:nvPr/>
+        </p:nvSpPr>
+        <p:spPr>
+          <a:xfrm>
+            <a:off x="3963035" y="296545"/>
+            <a:ext cx="2214245" cy="583565"/>
+          </a:xfrm>
+          <a:prstGeom prst="rect">
+            <a:avLst/>
+          </a:prstGeom>
+          <a:noFill/>
+        </p:spPr>
+        <p:txBody>
+          <a:bodyPr wrap="square" rtlCol="0">
+            <a:spAutoFit/>
+          </a:bodyPr>
+          <a:p>
+            <a:r>
+              <a:rPr lang="zh-CN" altLang="en-US" sz="3200" b="1">
+                <a:solidFill>
+                  <a:schemeClr val="bg1"/>
+                </a:solidFill>
+              </a:rPr>
+              <a:t>论文摘要</a:t>
+            </a:r>
+            <a:endParaRPr lang="zh-CN" altLang="en-US" sz="3200" b="1">
+              <a:solidFill>
+                <a:schemeClr val="bg1"/>
+              </a:solidFill>
+            </a:endParaRPr>
+          </a:p>
+        </p:txBody>
+      </p:sp>
+      <p:sp>
+        <p:nvSpPr>
+          <p:cNvPr id="2" name="文本框 1"/>
+          <p:cNvSpPr txBox="1"/>
+          <p:nvPr/>
+        </p:nvSpPr>
+        <p:spPr>
+          <a:xfrm>
+            <a:off x="626110" y="1226820"/>
+            <a:ext cx="11344910" cy="368300"/>
+          </a:xfrm>
+          <a:prstGeom prst="rect">
+            <a:avLst/>
+          </a:prstGeom>
+          <a:noFill/>
+        </p:spPr>
+        <p:txBody>
+          <a:bodyPr wrap="square" rtlCol="0">
+            <a:spAutoFit/>
+          </a:bodyPr>
+          <a:p>
+            <a:r>
+              <a:rPr lang="zh-CN" altLang="en-US" b="1"/>
+              <a:t>用户体验为中心</a:t>
+            </a:r>
+            <a:r>
+              <a:rPr lang="zh-CN" altLang="en-US"/>
+              <a:t> </a:t>
+            </a:r>
+            <a:r>
+              <a:rPr lang="en-US" altLang="zh-CN"/>
+              <a:t>+ </a:t>
+            </a:r>
+            <a:r>
+              <a:rPr lang="zh-CN" altLang="en-US" b="1"/>
+              <a:t>工程与设计平衡</a:t>
+            </a:r>
+            <a:r>
+              <a:rPr lang="zh-CN" altLang="en-US"/>
+              <a:t> </a:t>
+            </a:r>
+            <a:r>
+              <a:rPr lang="en-US" altLang="zh-CN"/>
+              <a:t>+ </a:t>
+            </a:r>
+            <a:r>
+              <a:rPr lang="zh-CN" altLang="en-US" b="1"/>
+              <a:t>优化</a:t>
+            </a:r>
+            <a:r>
+              <a:rPr lang="zh-CN" altLang="en-US"/>
+              <a:t>          </a:t>
+            </a:r>
+            <a:r>
+              <a:rPr lang="en-US" altLang="zh-CN"/>
+              <a:t>=&gt;               </a:t>
+            </a:r>
+            <a:r>
+              <a:rPr lang="zh-CN" altLang="en-US"/>
+              <a:t>基于用户体验的外卖平台网站</a:t>
+            </a:r>
+            <a:endParaRPr lang="zh-CN" altLang="en-US"/>
+          </a:p>
+        </p:txBody>
+      </p:sp>
+      <p:pic>
+        <p:nvPicPr>
+          <p:cNvPr id="8" name="图片 7" descr="htmlcssjs"/>
+          <p:cNvPicPr>
+            <a:picLocks noChangeAspect="1"/>
+          </p:cNvPicPr>
+          <p:nvPr/>
+        </p:nvPicPr>
+        <p:blipFill>
+          <a:blip r:embed="rId3"/>
+          <a:stretch>
+            <a:fillRect/>
+          </a:stretch>
+        </p:blipFill>
+        <p:spPr>
+          <a:xfrm>
+            <a:off x="3242310" y="2270760"/>
+            <a:ext cx="3656330" cy="2433320"/>
+          </a:xfrm>
+          <a:prstGeom prst="rect">
+            <a:avLst/>
+          </a:prstGeom>
+        </p:spPr>
+      </p:pic>
+      <p:pic>
+        <p:nvPicPr>
+          <p:cNvPr id="9" name="图片 8" descr="1_OrjCKmou1jT4It5so5gvOA"/>
+          <p:cNvPicPr>
+            <a:picLocks noChangeAspect="1"/>
+          </p:cNvPicPr>
+          <p:nvPr/>
+        </p:nvPicPr>
+        <p:blipFill>
+          <a:blip r:embed="rId4"/>
+          <a:stretch>
+            <a:fillRect/>
+          </a:stretch>
+        </p:blipFill>
+        <p:spPr>
+          <a:xfrm>
+            <a:off x="6898640" y="3054985"/>
+            <a:ext cx="1762760" cy="1077595"/>
+          </a:xfrm>
+          <a:prstGeom prst="rect">
+            <a:avLst/>
+          </a:prstGeom>
+        </p:spPr>
+      </p:pic>
+      <p:sp>
+        <p:nvSpPr>
+          <p:cNvPr id="11" name="文本框 10"/>
+          <p:cNvSpPr txBox="1"/>
+          <p:nvPr/>
+        </p:nvSpPr>
+        <p:spPr>
+          <a:xfrm>
+            <a:off x="3689350" y="4223385"/>
+            <a:ext cx="4291965" cy="368300"/>
+          </a:xfrm>
+          <a:prstGeom prst="rect">
+            <a:avLst/>
+          </a:prstGeom>
+          <a:noFill/>
+        </p:spPr>
+        <p:txBody>
+          <a:bodyPr wrap="square" rtlCol="0">
+            <a:spAutoFit/>
+          </a:bodyPr>
+          <a:p>
+            <a:pPr algn="ctr"/>
+            <a:r>
+              <a:rPr lang="en-US" altLang="zh-CN"/>
+              <a:t>SPA(Single Page Application) </a:t>
+            </a:r>
+            <a:r>
+              <a:rPr lang="zh-CN" altLang="en-US"/>
+              <a:t>技术</a:t>
+            </a:r>
+            <a:endParaRPr lang="zh-CN" altLang="en-US"/>
+          </a:p>
+        </p:txBody>
+      </p:sp>
+      <p:sp>
+        <p:nvSpPr>
+          <p:cNvPr id="12" name="文本框 11"/>
+          <p:cNvSpPr txBox="1"/>
+          <p:nvPr/>
+        </p:nvSpPr>
+        <p:spPr>
+          <a:xfrm>
+            <a:off x="4899660" y="2205355"/>
+            <a:ext cx="1998980" cy="645160"/>
+          </a:xfrm>
+          <a:prstGeom prst="rect">
+            <a:avLst/>
+          </a:prstGeom>
+          <a:noFill/>
+        </p:spPr>
+        <p:txBody>
+          <a:bodyPr wrap="square" rtlCol="0">
+            <a:spAutoFit/>
+          </a:bodyPr>
+          <a:p>
+            <a:pPr algn="ctr"/>
+            <a:r>
+              <a:rPr lang="en-US" altLang="zh-CN"/>
+              <a:t>↑ </a:t>
+            </a:r>
+            <a:endParaRPr lang="en-US" altLang="zh-CN"/>
+          </a:p>
+          <a:p>
+            <a:pPr algn="ctr"/>
+            <a:r>
+              <a:rPr lang="zh-CN" altLang="en-US"/>
+              <a:t>支撑</a:t>
+            </a:r>
+            <a:endParaRPr lang="zh-CN" altLang="en-US"/>
+          </a:p>
+        </p:txBody>
+      </p:sp>
+    </p:spTree>
+    <p:custDataLst>
+      <p:tags r:id="rId5"/>
+    </p:custDataLst>
+  </p:cSld>
+  <p:clrMapOvr>
+    <a:masterClrMapping/>
+  </p:clrMapOvr>
+</p:sld>
+</file>
+
+<file path=ppt/slides/slide4.xml><?xml version="1.0" encoding="utf-8"?>
+<p:sld xmlns:a="http://schemas.openxmlformats.org/drawingml/2006/main" xmlns:r="http://schemas.openxmlformats.org/officeDocument/2006/relationships" xmlns:p="http://schemas.openxmlformats.org/presentationml/2006/main">
+  <p:cSld>
+    <p:bg>
+      <p:bgPr>
+        <a:solidFill>
+          <a:schemeClr val="bg1"/>
+        </a:solidFill>
+        <a:effectLst/>
+      </p:bgPr>
+    </p:bg>
+    <p:spTree>
+      <p:nvGrpSpPr>
+        <p:cNvPr id="1" name=""/>
+        <p:cNvGrpSpPr/>
+        <p:nvPr/>
+      </p:nvGrpSpPr>
+      <p:grpSpPr>
+        <a:xfrm>
+          <a:off x="0" y="0"/>
+          <a:ext cx="0" cy="0"/>
+          <a:chOff x="0" y="0"/>
+          <a:chExt cx="0" cy="0"/>
+        </a:xfrm>
+      </p:grpSpPr>
+      <p:sp>
+        <p:nvSpPr>
+          <p:cNvPr id="4" name="矩形 3"/>
+          <p:cNvSpPr/>
+          <p:nvPr/>
+        </p:nvSpPr>
+        <p:spPr>
+          <a:xfrm>
+            <a:off x="-41275" y="0"/>
+            <a:ext cx="12232640" cy="1104265"/>
+          </a:xfrm>
+          <a:prstGeom prst="rect">
+            <a:avLst/>
+          </a:prstGeom>
+          <a:solidFill>
+            <a:srgbClr val="DA2128"/>
+          </a:solidFill>
+          <a:ln>
+            <a:noFill/>
+          </a:ln>
+        </p:spPr>
+        <p:style>
+          <a:lnRef idx="2">
+            <a:schemeClr val="accent1">
+              <a:shade val="50000"/>
+            </a:schemeClr>
+          </a:lnRef>
+          <a:fillRef idx="1">
+            <a:schemeClr val="accent1"/>
+          </a:fillRef>
+          <a:effectRef idx="0">
+            <a:schemeClr val="accent1"/>
+          </a:effectRef>
+          <a:fontRef idx="minor">
+            <a:schemeClr val="lt1"/>
+          </a:fontRef>
+        </p:style>
+        <p:txBody>
+          <a:bodyPr rtlCol="0" anchor="ctr"/>
+          <a:p>
+            <a:pPr algn="ctr"/>
+            <a:endParaRPr lang="zh-CN" altLang="en-US"/>
+          </a:p>
+        </p:txBody>
+      </p:sp>
+      <p:pic>
+        <p:nvPicPr>
+          <p:cNvPr id="5" name="图片 4" descr="logo"/>
+          <p:cNvPicPr>
+            <a:picLocks noChangeAspect="1"/>
+          </p:cNvPicPr>
+          <p:nvPr/>
+        </p:nvPicPr>
+        <p:blipFill>
+          <a:blip r:embed="rId1"/>
+          <a:stretch>
+            <a:fillRect/>
+          </a:stretch>
+        </p:blipFill>
+        <p:spPr>
+          <a:xfrm>
+            <a:off x="662940" y="262255"/>
+            <a:ext cx="2931160" cy="652145"/>
+          </a:xfrm>
+          <a:prstGeom prst="rect">
+            <a:avLst/>
+          </a:prstGeom>
+        </p:spPr>
+      </p:pic>
+      <p:pic>
+        <p:nvPicPr>
+          <p:cNvPr id="6" name="图片 5" descr="head_bg"/>
+          <p:cNvPicPr>
+            <a:picLocks noChangeAspect="1"/>
+          </p:cNvPicPr>
+          <p:nvPr/>
+        </p:nvPicPr>
+        <p:blipFill>
+          <a:blip r:embed="rId2"/>
+          <a:stretch>
+            <a:fillRect/>
+          </a:stretch>
+        </p:blipFill>
+        <p:spPr>
+          <a:xfrm>
+            <a:off x="7825105" y="64770"/>
+            <a:ext cx="4227830" cy="974725"/>
+          </a:xfrm>
+          <a:prstGeom prst="rect">
+            <a:avLst/>
+          </a:prstGeom>
+        </p:spPr>
+      </p:pic>
+      <p:sp>
+        <p:nvSpPr>
+          <p:cNvPr id="7" name="文本框 6"/>
+          <p:cNvSpPr txBox="1"/>
+          <p:nvPr/>
+        </p:nvSpPr>
+        <p:spPr>
+          <a:xfrm>
+            <a:off x="3963035" y="296545"/>
+            <a:ext cx="2214245" cy="583565"/>
+          </a:xfrm>
+          <a:prstGeom prst="rect">
+            <a:avLst/>
+          </a:prstGeom>
+          <a:noFill/>
+        </p:spPr>
+        <p:txBody>
+          <a:bodyPr wrap="square" rtlCol="0">
+            <a:spAutoFit/>
+          </a:bodyPr>
+          <a:p>
+            <a:r>
+              <a:rPr lang="zh-CN" altLang="en-US" sz="3200" b="1">
+                <a:solidFill>
+                  <a:schemeClr val="bg1"/>
+                </a:solidFill>
+              </a:rPr>
+              <a:t>研究背景</a:t>
+            </a:r>
+            <a:endParaRPr lang="zh-CN" altLang="en-US" sz="3200" b="1">
+              <a:solidFill>
+                <a:schemeClr val="bg1"/>
+              </a:solidFill>
+            </a:endParaRPr>
+          </a:p>
+        </p:txBody>
+      </p:sp>
+      <p:sp>
+        <p:nvSpPr>
+          <p:cNvPr id="2" name="文本框 1"/>
+          <p:cNvSpPr txBox="1"/>
+          <p:nvPr/>
+        </p:nvSpPr>
+        <p:spPr>
+          <a:xfrm>
+            <a:off x="601345" y="1421765"/>
+            <a:ext cx="7223760" cy="4154170"/>
+          </a:xfrm>
+          <a:prstGeom prst="rect">
+            <a:avLst/>
+          </a:prstGeom>
+          <a:noFill/>
+        </p:spPr>
+        <p:txBody>
+          <a:bodyPr wrap="square" rtlCol="0">
+            <a:spAutoFit/>
+          </a:bodyPr>
+          <a:p>
+            <a:pPr marL="285750" indent="-285750" fontAlgn="auto">
+              <a:lnSpc>
+                <a:spcPct val="150000"/>
+              </a:lnSpc>
+              <a:buFont typeface="Wingdings" panose="05000000000000000000" charset="0"/>
+              <a:buChar char="l"/>
+            </a:pPr>
+            <a:r>
+              <a:rPr lang="zh-CN" altLang="en-US" sz="2200"/>
+              <a:t>交互设计的发展</a:t>
+            </a:r>
+            <a:endParaRPr lang="zh-CN" altLang="en-US" sz="2200"/>
+          </a:p>
+          <a:p>
+            <a:pPr marL="285750" indent="-285750" fontAlgn="auto">
+              <a:lnSpc>
+                <a:spcPct val="150000"/>
+              </a:lnSpc>
+              <a:buFont typeface="Wingdings" panose="05000000000000000000" charset="0"/>
+              <a:buChar char="l"/>
+            </a:pPr>
+            <a:endParaRPr lang="zh-CN" altLang="en-US" sz="2200"/>
+          </a:p>
+          <a:p>
+            <a:pPr marL="285750" indent="-285750" fontAlgn="auto">
+              <a:lnSpc>
+                <a:spcPct val="150000"/>
+              </a:lnSpc>
+              <a:buFont typeface="Wingdings" panose="05000000000000000000" charset="0"/>
+              <a:buChar char="l"/>
+            </a:pPr>
+            <a:endParaRPr lang="zh-CN" altLang="en-US" sz="2200"/>
+          </a:p>
+          <a:p>
+            <a:pPr marL="285750" lvl="0" indent="-285750" fontAlgn="auto">
+              <a:lnSpc>
+                <a:spcPct val="150000"/>
+              </a:lnSpc>
+              <a:buFont typeface="Wingdings" panose="05000000000000000000" charset="0"/>
+              <a:buChar char="l"/>
+            </a:pPr>
+            <a:r>
+              <a:rPr lang="zh-CN" altLang="en-US" sz="2200">
+                <a:solidFill>
+                  <a:schemeClr val="tx1"/>
+                </a:solidFill>
+              </a:rPr>
+              <a:t>网站设计开发的发展</a:t>
+            </a:r>
+            <a:endParaRPr lang="zh-CN" altLang="en-US" sz="2200">
+              <a:solidFill>
+                <a:schemeClr val="tx1"/>
+              </a:solidFill>
+            </a:endParaRPr>
+          </a:p>
+          <a:p>
+            <a:pPr marL="285750" lvl="0" indent="-285750" fontAlgn="auto">
+              <a:lnSpc>
+                <a:spcPct val="150000"/>
+              </a:lnSpc>
+              <a:buFont typeface="Wingdings" panose="05000000000000000000" charset="0"/>
+              <a:buChar char="l"/>
+            </a:pPr>
+            <a:endParaRPr lang="zh-CN" altLang="en-US" sz="2200">
+              <a:solidFill>
+                <a:schemeClr val="tx1"/>
+              </a:solidFill>
+            </a:endParaRPr>
+          </a:p>
+          <a:p>
+            <a:pPr marL="285750" lvl="0" indent="-285750" fontAlgn="auto">
+              <a:lnSpc>
+                <a:spcPct val="150000"/>
+              </a:lnSpc>
+              <a:buFont typeface="Wingdings" panose="05000000000000000000" charset="0"/>
+              <a:buChar char="l"/>
+            </a:pPr>
+            <a:endParaRPr lang="zh-CN" altLang="en-US" sz="2200">
+              <a:solidFill>
+                <a:schemeClr val="tx1"/>
+              </a:solidFill>
+            </a:endParaRPr>
+          </a:p>
+          <a:p>
+            <a:pPr marL="285750" lvl="0" indent="-285750" fontAlgn="auto">
+              <a:lnSpc>
+                <a:spcPct val="150000"/>
+              </a:lnSpc>
+              <a:buFont typeface="Wingdings" panose="05000000000000000000" charset="0"/>
+              <a:buChar char="l"/>
+            </a:pPr>
+            <a:endParaRPr lang="zh-CN" altLang="en-US" sz="2200">
+              <a:solidFill>
+                <a:schemeClr val="tx1"/>
+              </a:solidFill>
+            </a:endParaRPr>
+          </a:p>
+          <a:p>
+            <a:pPr marL="285750" lvl="0" indent="-285750" fontAlgn="auto">
+              <a:lnSpc>
+                <a:spcPct val="150000"/>
+              </a:lnSpc>
+              <a:buFont typeface="Wingdings" panose="05000000000000000000" charset="0"/>
+              <a:buChar char="l"/>
+            </a:pPr>
+            <a:r>
+              <a:rPr lang="zh-CN" altLang="en-US" sz="2200">
+                <a:solidFill>
+                  <a:schemeClr val="tx1"/>
+                </a:solidFill>
+              </a:rPr>
+              <a:t>外卖平台市场</a:t>
+            </a:r>
+            <a:endParaRPr lang="zh-CN" altLang="en-US" sz="2200">
+              <a:solidFill>
+                <a:schemeClr val="tx1"/>
+              </a:solidFill>
+            </a:endParaRPr>
+          </a:p>
+        </p:txBody>
+      </p:sp>
+      <p:pic>
+        <p:nvPicPr>
+          <p:cNvPr id="3" name="图片 2"/>
+          <p:cNvPicPr>
+            <a:picLocks noChangeAspect="1"/>
+          </p:cNvPicPr>
+          <p:nvPr/>
+        </p:nvPicPr>
+        <p:blipFill>
+          <a:blip r:embed="rId3"/>
+          <a:stretch>
+            <a:fillRect/>
+          </a:stretch>
+        </p:blipFill>
+        <p:spPr>
+          <a:xfrm>
+            <a:off x="3182620" y="1633855"/>
+            <a:ext cx="2525395" cy="1381760"/>
+          </a:xfrm>
+          <a:prstGeom prst="rect">
+            <a:avLst/>
+          </a:prstGeom>
+        </p:spPr>
+      </p:pic>
+      <p:pic>
+        <p:nvPicPr>
+          <p:cNvPr id="8" name="图片 7" descr="heroImg_xs"/>
+          <p:cNvPicPr>
+            <a:picLocks noChangeAspect="1"/>
+          </p:cNvPicPr>
+          <p:nvPr/>
+        </p:nvPicPr>
+        <p:blipFill>
+          <a:blip r:embed="rId4"/>
+          <a:stretch>
+            <a:fillRect/>
+          </a:stretch>
+        </p:blipFill>
+        <p:spPr>
+          <a:xfrm>
+            <a:off x="6069965" y="1617345"/>
+            <a:ext cx="2386330" cy="1414780"/>
+          </a:xfrm>
+          <a:prstGeom prst="rect">
+            <a:avLst/>
+          </a:prstGeom>
+        </p:spPr>
+      </p:pic>
+      <p:pic>
+        <p:nvPicPr>
+          <p:cNvPr id="9" name="图片 8" descr="97744-v1-apple-iphone-7-mobile-phone-large-1"/>
+          <p:cNvPicPr>
+            <a:picLocks noChangeAspect="1"/>
+          </p:cNvPicPr>
+          <p:nvPr/>
+        </p:nvPicPr>
+        <p:blipFill>
+          <a:blip r:embed="rId5"/>
+          <a:stretch>
+            <a:fillRect/>
+          </a:stretch>
+        </p:blipFill>
+        <p:spPr>
+          <a:xfrm>
+            <a:off x="9146540" y="1510030"/>
+            <a:ext cx="1129030" cy="1505585"/>
+          </a:xfrm>
+          <a:prstGeom prst="rect">
+            <a:avLst/>
+          </a:prstGeom>
+        </p:spPr>
+      </p:pic>
+      <p:pic>
+        <p:nvPicPr>
+          <p:cNvPr id="11" name="图片 10"/>
+          <p:cNvPicPr>
+            <a:picLocks noChangeAspect="1"/>
+          </p:cNvPicPr>
+          <p:nvPr/>
+        </p:nvPicPr>
+        <p:blipFill>
+          <a:blip r:embed="rId6"/>
+          <a:srcRect l="-23232" t="702" r="-18063" b="410"/>
+          <a:stretch>
+            <a:fillRect/>
+          </a:stretch>
+        </p:blipFill>
+        <p:spPr>
+          <a:xfrm>
+            <a:off x="2188845" y="3453765"/>
+            <a:ext cx="4048760" cy="1438910"/>
+          </a:xfrm>
+          <a:prstGeom prst="rect">
+            <a:avLst/>
+          </a:prstGeom>
+        </p:spPr>
+      </p:pic>
+      <p:pic>
+        <p:nvPicPr>
+          <p:cNvPr id="13" name="图片 12"/>
+          <p:cNvPicPr>
+            <a:picLocks noChangeAspect="1"/>
+          </p:cNvPicPr>
+          <p:nvPr/>
+        </p:nvPicPr>
+        <p:blipFill>
+          <a:blip r:embed="rId7"/>
+          <a:stretch>
+            <a:fillRect/>
+          </a:stretch>
+        </p:blipFill>
+        <p:spPr>
+          <a:xfrm>
+            <a:off x="6128385" y="3453765"/>
+            <a:ext cx="2672080" cy="1503045"/>
+          </a:xfrm>
+          <a:prstGeom prst="rect">
+            <a:avLst/>
+          </a:prstGeom>
+        </p:spPr>
+      </p:pic>
+      <p:pic>
+        <p:nvPicPr>
+          <p:cNvPr id="10" name="图片 9"/>
+          <p:cNvPicPr>
+            <a:picLocks noChangeAspect="1"/>
+          </p:cNvPicPr>
+          <p:nvPr/>
+        </p:nvPicPr>
+        <p:blipFill>
+          <a:blip r:embed="rId8"/>
+          <a:stretch>
+            <a:fillRect/>
+          </a:stretch>
+        </p:blipFill>
+        <p:spPr>
+          <a:xfrm>
+            <a:off x="9146540" y="3453765"/>
+            <a:ext cx="2684780" cy="1510665"/>
+          </a:xfrm>
+          <a:prstGeom prst="rect">
+            <a:avLst/>
+          </a:prstGeom>
+        </p:spPr>
+      </p:pic>
+      <p:pic>
+        <p:nvPicPr>
+          <p:cNvPr id="12" name="图片 11"/>
+          <p:cNvPicPr>
+            <a:picLocks noChangeAspect="1"/>
+          </p:cNvPicPr>
+          <p:nvPr/>
+        </p:nvPicPr>
+        <p:blipFill>
+          <a:blip r:embed="rId9"/>
+          <a:stretch>
+            <a:fillRect/>
+          </a:stretch>
+        </p:blipFill>
+        <p:spPr>
+          <a:xfrm>
+            <a:off x="2836545" y="5187950"/>
+            <a:ext cx="1907540" cy="1504315"/>
+          </a:xfrm>
+          <a:prstGeom prst="rect">
+            <a:avLst/>
+          </a:prstGeom>
+        </p:spPr>
+      </p:pic>
+    </p:spTree>
+    <p:custDataLst>
+      <p:tags r:id="rId10"/>
+    </p:custDataLst>
+  </p:cSld>
+  <p:clrMapOvr>
+    <a:masterClrMapping/>
+  </p:clrMapOvr>
+</p:sld>
+</file>
+
+<file path=ppt/slides/slide5.xml><?xml version="1.0" encoding="utf-8"?>
+<p:sld xmlns:a="http://schemas.openxmlformats.org/drawingml/2006/main" xmlns:r="http://schemas.openxmlformats.org/officeDocument/2006/relationships" xmlns:p="http://schemas.openxmlformats.org/presentationml/2006/main">
+  <p:cSld>
+    <p:bg>
+      <p:bgPr>
+        <a:solidFill>
+          <a:schemeClr val="bg1"/>
+        </a:solidFill>
+        <a:effectLst/>
+      </p:bgPr>
+    </p:bg>
+    <p:spTree>
+      <p:nvGrpSpPr>
+        <p:cNvPr id="1" name=""/>
+        <p:cNvGrpSpPr/>
+        <p:nvPr/>
+      </p:nvGrpSpPr>
+      <p:grpSpPr>
+        <a:xfrm>
+          <a:off x="0" y="0"/>
+          <a:ext cx="0" cy="0"/>
+          <a:chOff x="0" y="0"/>
+          <a:chExt cx="0" cy="0"/>
+        </a:xfrm>
+      </p:grpSpPr>
+      <p:sp>
+        <p:nvSpPr>
+          <p:cNvPr id="4" name="矩形 3"/>
+          <p:cNvSpPr/>
+          <p:nvPr/>
+        </p:nvSpPr>
+        <p:spPr>
+          <a:xfrm>
+            <a:off x="-41275" y="0"/>
+            <a:ext cx="12232640" cy="1104265"/>
+          </a:xfrm>
+          <a:prstGeom prst="rect">
+            <a:avLst/>
+          </a:prstGeom>
+          <a:solidFill>
+            <a:srgbClr val="DA2128"/>
+          </a:solidFill>
+          <a:ln>
+            <a:noFill/>
+          </a:ln>
+        </p:spPr>
+        <p:style>
+          <a:lnRef idx="2">
+            <a:schemeClr val="accent1">
+              <a:shade val="50000"/>
+            </a:schemeClr>
+          </a:lnRef>
+          <a:fillRef idx="1">
+            <a:schemeClr val="accent1"/>
+          </a:fillRef>
+          <a:effectRef idx="0">
+            <a:schemeClr val="accent1"/>
+          </a:effectRef>
+          <a:fontRef idx="minor">
+            <a:schemeClr val="lt1"/>
+          </a:fontRef>
+        </p:style>
+        <p:txBody>
+          <a:bodyPr rtlCol="0" anchor="ctr"/>
+          <a:p>
+            <a:pPr algn="ctr"/>
+            <a:endParaRPr lang="zh-CN" altLang="en-US"/>
+          </a:p>
+        </p:txBody>
+      </p:sp>
+      <p:pic>
+        <p:nvPicPr>
+          <p:cNvPr id="5" name="图片 4" descr="logo"/>
+          <p:cNvPicPr>
+            <a:picLocks noChangeAspect="1"/>
+          </p:cNvPicPr>
+          <p:nvPr/>
+        </p:nvPicPr>
+        <p:blipFill>
+          <a:blip r:embed="rId1"/>
+          <a:stretch>
+            <a:fillRect/>
+          </a:stretch>
+        </p:blipFill>
+        <p:spPr>
+          <a:xfrm>
+            <a:off x="662940" y="262255"/>
+            <a:ext cx="2931160" cy="652145"/>
+          </a:xfrm>
+          <a:prstGeom prst="rect">
+            <a:avLst/>
+          </a:prstGeom>
+        </p:spPr>
+      </p:pic>
+      <p:pic>
+        <p:nvPicPr>
+          <p:cNvPr id="6" name="图片 5" descr="head_bg"/>
+          <p:cNvPicPr>
+            <a:picLocks noChangeAspect="1"/>
+          </p:cNvPicPr>
+          <p:nvPr/>
+        </p:nvPicPr>
+        <p:blipFill>
+          <a:blip r:embed="rId2"/>
+          <a:stretch>
+            <a:fillRect/>
+          </a:stretch>
+        </p:blipFill>
+        <p:spPr>
+          <a:xfrm>
+            <a:off x="7825105" y="64770"/>
+            <a:ext cx="4227830" cy="974725"/>
+          </a:xfrm>
+          <a:prstGeom prst="rect">
+            <a:avLst/>
+          </a:prstGeom>
+        </p:spPr>
+      </p:pic>
+      <p:sp>
+        <p:nvSpPr>
+          <p:cNvPr id="7" name="文本框 6"/>
+          <p:cNvSpPr txBox="1"/>
+          <p:nvPr/>
+        </p:nvSpPr>
+        <p:spPr>
+          <a:xfrm>
+            <a:off x="3963035" y="296545"/>
+            <a:ext cx="2214245" cy="583565"/>
+          </a:xfrm>
+          <a:prstGeom prst="rect">
+            <a:avLst/>
+          </a:prstGeom>
+          <a:noFill/>
+        </p:spPr>
+        <p:txBody>
+          <a:bodyPr wrap="square" rtlCol="0">
+            <a:spAutoFit/>
+          </a:bodyPr>
+          <a:p>
+            <a:r>
+              <a:rPr lang="zh-CN" altLang="en-US" sz="3200" b="1">
+                <a:solidFill>
+                  <a:schemeClr val="bg1"/>
+                </a:solidFill>
+              </a:rPr>
+              <a:t>基础部分</a:t>
+            </a:r>
+            <a:endParaRPr lang="zh-CN" altLang="en-US" sz="3200" b="1">
+              <a:solidFill>
+                <a:schemeClr val="bg1"/>
+              </a:solidFill>
+            </a:endParaRPr>
+          </a:p>
+        </p:txBody>
+      </p:sp>
+      <p:sp>
+        <p:nvSpPr>
+          <p:cNvPr id="2" name="文本框 1"/>
+          <p:cNvSpPr txBox="1"/>
+          <p:nvPr/>
+        </p:nvSpPr>
+        <p:spPr>
+          <a:xfrm>
+            <a:off x="5835650" y="462915"/>
+            <a:ext cx="1989455" cy="368300"/>
+          </a:xfrm>
+          <a:prstGeom prst="rect">
+            <a:avLst/>
+          </a:prstGeom>
+          <a:noFill/>
+        </p:spPr>
+        <p:txBody>
+          <a:bodyPr wrap="square" rtlCol="0">
+            <a:spAutoFit/>
+          </a:bodyPr>
+          <a:p>
+            <a:r>
+              <a:rPr lang="zh-CN" altLang="en-US">
+                <a:solidFill>
+                  <a:schemeClr val="bg1"/>
+                </a:solidFill>
+              </a:rPr>
+              <a:t>设计原则</a:t>
+            </a:r>
+            <a:r>
+              <a:rPr lang="en-US" altLang="zh-CN">
+                <a:solidFill>
+                  <a:schemeClr val="bg1"/>
+                </a:solidFill>
+              </a:rPr>
+              <a:t>&amp;</a:t>
+            </a:r>
+            <a:r>
+              <a:rPr lang="zh-CN" altLang="en-US">
+                <a:solidFill>
+                  <a:schemeClr val="bg1"/>
+                </a:solidFill>
+              </a:rPr>
+              <a:t>决策</a:t>
+            </a:r>
+            <a:endParaRPr lang="zh-CN" altLang="en-US">
+              <a:solidFill>
+                <a:schemeClr val="bg1"/>
+              </a:solidFill>
+            </a:endParaRPr>
+          </a:p>
+        </p:txBody>
+      </p:sp>
+      <p:sp>
+        <p:nvSpPr>
+          <p:cNvPr id="3" name="文本框 2"/>
+          <p:cNvSpPr txBox="1"/>
+          <p:nvPr/>
+        </p:nvSpPr>
+        <p:spPr>
+          <a:xfrm>
+            <a:off x="642620" y="1332865"/>
+            <a:ext cx="3223260" cy="368300"/>
+          </a:xfrm>
+          <a:prstGeom prst="rect">
+            <a:avLst/>
+          </a:prstGeom>
+          <a:noFill/>
+        </p:spPr>
+        <p:txBody>
+          <a:bodyPr wrap="square" rtlCol="0">
+            <a:spAutoFit/>
+          </a:bodyPr>
+          <a:p>
+            <a:r>
+              <a:rPr lang="zh-CN" altLang="en-US"/>
+              <a:t>核心决策：</a:t>
+            </a:r>
+            <a:r>
+              <a:rPr lang="zh-CN" altLang="en-US" b="1"/>
+              <a:t>用户体验优先</a:t>
+            </a:r>
+            <a:endParaRPr lang="zh-CN" altLang="en-US" b="1"/>
+          </a:p>
+        </p:txBody>
+      </p:sp>
+      <p:sp>
+        <p:nvSpPr>
+          <p:cNvPr id="8" name="文本框 7"/>
+          <p:cNvSpPr txBox="1"/>
+          <p:nvPr/>
+        </p:nvSpPr>
+        <p:spPr>
+          <a:xfrm>
+            <a:off x="662940" y="1812925"/>
+            <a:ext cx="4435475" cy="2122805"/>
+          </a:xfrm>
+          <a:prstGeom prst="rect">
+            <a:avLst/>
+          </a:prstGeom>
+          <a:noFill/>
+        </p:spPr>
+        <p:txBody>
+          <a:bodyPr wrap="square" rtlCol="0">
+            <a:spAutoFit/>
+          </a:bodyPr>
+          <a:p>
+            <a:pPr marL="342900" indent="-342900" fontAlgn="auto">
+              <a:lnSpc>
+                <a:spcPct val="150000"/>
+              </a:lnSpc>
+              <a:buFont typeface="Wingdings" panose="05000000000000000000" charset="0"/>
+              <a:buChar char="l"/>
+            </a:pPr>
+            <a:r>
+              <a:rPr lang="zh-CN" altLang="en-US" sz="2200"/>
+              <a:t>使用</a:t>
+            </a:r>
+            <a:r>
+              <a:rPr lang="en-US" altLang="zh-CN" sz="2200"/>
+              <a:t>SPA</a:t>
+            </a:r>
+            <a:r>
+              <a:rPr lang="zh-CN" altLang="en-US" sz="2200"/>
+              <a:t>技术</a:t>
+            </a:r>
+            <a:endParaRPr lang="zh-CN" altLang="en-US" sz="2200"/>
+          </a:p>
+          <a:p>
+            <a:pPr marL="342900" indent="-342900" fontAlgn="auto">
+              <a:lnSpc>
+                <a:spcPct val="150000"/>
+              </a:lnSpc>
+              <a:buFont typeface="Wingdings" panose="05000000000000000000" charset="0"/>
+              <a:buChar char="l"/>
+            </a:pPr>
+            <a:r>
+              <a:rPr lang="zh-CN" altLang="en-US" sz="2200"/>
+              <a:t>业务流程为主线进行设计</a:t>
+            </a:r>
+            <a:endParaRPr lang="zh-CN" altLang="en-US" sz="2200"/>
+          </a:p>
+          <a:p>
+            <a:pPr marL="342900" indent="-342900" fontAlgn="auto">
+              <a:lnSpc>
+                <a:spcPct val="150000"/>
+              </a:lnSpc>
+              <a:buFont typeface="Wingdings" panose="05000000000000000000" charset="0"/>
+              <a:buChar char="l"/>
+            </a:pPr>
+            <a:r>
+              <a:rPr lang="zh-CN" altLang="en-US" sz="2200"/>
+              <a:t>达到工程与设计的平衡</a:t>
+            </a:r>
+            <a:endParaRPr lang="zh-CN" altLang="en-US" sz="2200"/>
+          </a:p>
+          <a:p>
+            <a:pPr marL="342900" indent="-342900" fontAlgn="auto">
+              <a:lnSpc>
+                <a:spcPct val="150000"/>
+              </a:lnSpc>
+              <a:buFont typeface="Wingdings" panose="05000000000000000000" charset="0"/>
+              <a:buChar char="l"/>
+            </a:pPr>
+            <a:r>
+              <a:rPr lang="zh-CN" altLang="en-US" sz="2200"/>
+              <a:t>组件化设计</a:t>
+            </a:r>
+            <a:endParaRPr lang="zh-CN" altLang="en-US" sz="2200"/>
+          </a:p>
+        </p:txBody>
+      </p:sp>
+    </p:spTree>
+    <p:custDataLst>
+      <p:tags r:id="rId3"/>
+    </p:custDataLst>
+  </p:cSld>
+  <p:clrMapOvr>
+    <a:masterClrMapping/>
+  </p:clrMapOvr>
+</p:sld>
+</file>
+
 <file path=ppt/tags/tag1.xml><?xml version="1.0" encoding="utf-8"?>
 <p:tagLst xmlns:p="http://schemas.openxmlformats.org/presentationml/2006/main">
   <p:tag name="KSO_WM_UNIT_HIGHLIGHT" val="0"/>
@@ -4874,6 +6050,69 @@
 </file>
 
 <file path=ppt/tags/tag66.xml><?xml version="1.0" encoding="utf-8"?>
+<p:tagLst xmlns:p="http://schemas.openxmlformats.org/presentationml/2006/main">
+  <p:tag name="KSO_WM_SLIDE_ID" val="custom20205176_1"/>
+  <p:tag name="KSO_WM_TEMPLATE_SUBCATEGORY" val="19"/>
+  <p:tag name="KSO_WM_TEMPLATE_MASTER_TYPE" val="0"/>
+  <p:tag name="KSO_WM_TEMPLATE_COLOR_TYPE" val="1"/>
+  <p:tag name="KSO_WM_SLIDE_TYPE" val="title"/>
+  <p:tag name="KSO_WM_SLIDE_SUBTYPE" val="defaultBlank"/>
+  <p:tag name="KSO_WM_SLIDE_ITEM_CNT" val="0"/>
+  <p:tag name="KSO_WM_SLIDE_INDEX" val="1"/>
+  <p:tag name="KSO_WM_TAG_VERSION" val="1.0"/>
+  <p:tag name="KSO_WM_BEAUTIFY_FLAG" val="#wm#"/>
+  <p:tag name="KSO_WM_TEMPLATE_CATEGORY" val="custom"/>
+  <p:tag name="KSO_WM_TEMPLATE_INDEX" val="20205176"/>
+  <p:tag name="KSO_WM_SLIDE_LAYOUT" val="a_b"/>
+  <p:tag name="KSO_WM_SLIDE_LAYOUT_CNT" val="1_1"/>
+  <p:tag name="KSO_WM_UNIT_SHOW_EDIT_AREA_INDICATION" val="1"/>
+  <p:tag name="KSO_WM_TEMPLATE_THUMBS_INDEX" val="1、4、7、12、13、14、15、16、17、18、20、24、25、28、33、36、40、43、44"/>
+</p:tagLst>
+</file>
+
+<file path=ppt/tags/tag67.xml><?xml version="1.0" encoding="utf-8"?>
+<p:tagLst xmlns:p="http://schemas.openxmlformats.org/presentationml/2006/main">
+  <p:tag name="KSO_WM_SLIDE_ID" val="custom20205176_1"/>
+  <p:tag name="KSO_WM_TEMPLATE_SUBCATEGORY" val="19"/>
+  <p:tag name="KSO_WM_TEMPLATE_MASTER_TYPE" val="0"/>
+  <p:tag name="KSO_WM_TEMPLATE_COLOR_TYPE" val="1"/>
+  <p:tag name="KSO_WM_SLIDE_TYPE" val="title"/>
+  <p:tag name="KSO_WM_SLIDE_SUBTYPE" val="defaultBlank"/>
+  <p:tag name="KSO_WM_SLIDE_ITEM_CNT" val="0"/>
+  <p:tag name="KSO_WM_SLIDE_INDEX" val="1"/>
+  <p:tag name="KSO_WM_TAG_VERSION" val="1.0"/>
+  <p:tag name="KSO_WM_BEAUTIFY_FLAG" val="#wm#"/>
+  <p:tag name="KSO_WM_TEMPLATE_CATEGORY" val="custom"/>
+  <p:tag name="KSO_WM_TEMPLATE_INDEX" val="20205176"/>
+  <p:tag name="KSO_WM_SLIDE_LAYOUT" val="a_b"/>
+  <p:tag name="KSO_WM_SLIDE_LAYOUT_CNT" val="1_1"/>
+  <p:tag name="KSO_WM_UNIT_SHOW_EDIT_AREA_INDICATION" val="1"/>
+  <p:tag name="KSO_WM_TEMPLATE_THUMBS_INDEX" val="1、4、7、12、13、14、15、16、17、18、20、24、25、28、33、36、40、43、44"/>
+</p:tagLst>
+</file>
+
+<file path=ppt/tags/tag68.xml><?xml version="1.0" encoding="utf-8"?>
+<p:tagLst xmlns:p="http://schemas.openxmlformats.org/presentationml/2006/main">
+  <p:tag name="KSO_WM_SLIDE_ID" val="custom20205176_1"/>
+  <p:tag name="KSO_WM_TEMPLATE_SUBCATEGORY" val="19"/>
+  <p:tag name="KSO_WM_TEMPLATE_MASTER_TYPE" val="0"/>
+  <p:tag name="KSO_WM_TEMPLATE_COLOR_TYPE" val="1"/>
+  <p:tag name="KSO_WM_SLIDE_TYPE" val="title"/>
+  <p:tag name="KSO_WM_SLIDE_SUBTYPE" val="defaultBlank"/>
+  <p:tag name="KSO_WM_SLIDE_ITEM_CNT" val="0"/>
+  <p:tag name="KSO_WM_SLIDE_INDEX" val="1"/>
+  <p:tag name="KSO_WM_TAG_VERSION" val="1.0"/>
+  <p:tag name="KSO_WM_BEAUTIFY_FLAG" val="#wm#"/>
+  <p:tag name="KSO_WM_TEMPLATE_CATEGORY" val="custom"/>
+  <p:tag name="KSO_WM_TEMPLATE_INDEX" val="20205176"/>
+  <p:tag name="KSO_WM_SLIDE_LAYOUT" val="a_b"/>
+  <p:tag name="KSO_WM_SLIDE_LAYOUT_CNT" val="1_1"/>
+  <p:tag name="KSO_WM_UNIT_SHOW_EDIT_AREA_INDICATION" val="1"/>
+  <p:tag name="KSO_WM_TEMPLATE_THUMBS_INDEX" val="1、4、7、12、13、14、15、16、17、18、20、24、25、28、33、36、40、43、44"/>
+</p:tagLst>
+</file>
+
+<file path=ppt/tags/tag69.xml><?xml version="1.0" encoding="utf-8"?>
 <p:tagLst xmlns:p="http://schemas.openxmlformats.org/presentationml/2006/main">
   <p:tag name="KSO_WM_SLIDE_ID" val="custom20205176_1"/>
   <p:tag name="KSO_WM_TEMPLATE_SUBCATEGORY" val="19"/>

--- a/答辩PPT.pptx
+++ b/答辩PPT.pptx
@@ -5,7 +5,7 @@
     <p:sldMasterId id="2147483648" r:id="rId1"/>
   </p:sldMasterIdLst>
   <p:notesMasterIdLst>
-    <p:notesMasterId r:id="rId8"/>
+    <p:notesMasterId r:id="rId15"/>
   </p:notesMasterIdLst>
   <p:sldIdLst>
     <p:sldId id="409" r:id="rId3"/>
@@ -13,6 +13,13 @@
     <p:sldId id="411" r:id="rId5"/>
     <p:sldId id="412" r:id="rId6"/>
     <p:sldId id="413" r:id="rId7"/>
+    <p:sldId id="414" r:id="rId8"/>
+    <p:sldId id="415" r:id="rId9"/>
+    <p:sldId id="416" r:id="rId10"/>
+    <p:sldId id="417" r:id="rId11"/>
+    <p:sldId id="418" r:id="rId12"/>
+    <p:sldId id="419" r:id="rId13"/>
+    <p:sldId id="420" r:id="rId14"/>
   </p:sldIdLst>
   <p:sldSz cx="12192000" cy="6858000"/>
   <p:notesSz cx="6858000" cy="9144000"/>
@@ -3732,6 +3739,899 @@
 </p:sld>
 </file>
 
+<file path=ppt/slides/slide10.xml><?xml version="1.0" encoding="utf-8"?>
+<p:sld xmlns:a="http://schemas.openxmlformats.org/drawingml/2006/main" xmlns:r="http://schemas.openxmlformats.org/officeDocument/2006/relationships" xmlns:p="http://schemas.openxmlformats.org/presentationml/2006/main">
+  <p:cSld>
+    <p:bg>
+      <p:bgPr>
+        <a:solidFill>
+          <a:schemeClr val="bg1"/>
+        </a:solidFill>
+        <a:effectLst/>
+      </p:bgPr>
+    </p:bg>
+    <p:spTree>
+      <p:nvGrpSpPr>
+        <p:cNvPr id="1" name=""/>
+        <p:cNvGrpSpPr/>
+        <p:nvPr/>
+      </p:nvGrpSpPr>
+      <p:grpSpPr>
+        <a:xfrm>
+          <a:off x="0" y="0"/>
+          <a:ext cx="0" cy="0"/>
+          <a:chOff x="0" y="0"/>
+          <a:chExt cx="0" cy="0"/>
+        </a:xfrm>
+      </p:grpSpPr>
+      <p:sp>
+        <p:nvSpPr>
+          <p:cNvPr id="4" name="矩形 3"/>
+          <p:cNvSpPr/>
+          <p:nvPr/>
+        </p:nvSpPr>
+        <p:spPr>
+          <a:xfrm>
+            <a:off x="-41275" y="0"/>
+            <a:ext cx="12232640" cy="1104265"/>
+          </a:xfrm>
+          <a:prstGeom prst="rect">
+            <a:avLst/>
+          </a:prstGeom>
+          <a:solidFill>
+            <a:srgbClr val="DA2128"/>
+          </a:solidFill>
+          <a:ln>
+            <a:noFill/>
+          </a:ln>
+        </p:spPr>
+        <p:style>
+          <a:lnRef idx="2">
+            <a:schemeClr val="accent1">
+              <a:shade val="50000"/>
+            </a:schemeClr>
+          </a:lnRef>
+          <a:fillRef idx="1">
+            <a:schemeClr val="accent1"/>
+          </a:fillRef>
+          <a:effectRef idx="0">
+            <a:schemeClr val="accent1"/>
+          </a:effectRef>
+          <a:fontRef idx="minor">
+            <a:schemeClr val="lt1"/>
+          </a:fontRef>
+        </p:style>
+        <p:txBody>
+          <a:bodyPr rtlCol="0" anchor="ctr"/>
+          <a:p>
+            <a:pPr algn="ctr"/>
+            <a:endParaRPr lang="zh-CN" altLang="en-US"/>
+          </a:p>
+        </p:txBody>
+      </p:sp>
+      <p:pic>
+        <p:nvPicPr>
+          <p:cNvPr id="5" name="图片 4" descr="logo"/>
+          <p:cNvPicPr>
+            <a:picLocks noChangeAspect="1"/>
+          </p:cNvPicPr>
+          <p:nvPr/>
+        </p:nvPicPr>
+        <p:blipFill>
+          <a:blip r:embed="rId1"/>
+          <a:stretch>
+            <a:fillRect/>
+          </a:stretch>
+        </p:blipFill>
+        <p:spPr>
+          <a:xfrm>
+            <a:off x="662940" y="262255"/>
+            <a:ext cx="2931160" cy="652145"/>
+          </a:xfrm>
+          <a:prstGeom prst="rect">
+            <a:avLst/>
+          </a:prstGeom>
+        </p:spPr>
+      </p:pic>
+      <p:pic>
+        <p:nvPicPr>
+          <p:cNvPr id="6" name="图片 5" descr="head_bg"/>
+          <p:cNvPicPr>
+            <a:picLocks noChangeAspect="1"/>
+          </p:cNvPicPr>
+          <p:nvPr/>
+        </p:nvPicPr>
+        <p:blipFill>
+          <a:blip r:embed="rId2"/>
+          <a:stretch>
+            <a:fillRect/>
+          </a:stretch>
+        </p:blipFill>
+        <p:spPr>
+          <a:xfrm>
+            <a:off x="7825105" y="64770"/>
+            <a:ext cx="4227830" cy="974725"/>
+          </a:xfrm>
+          <a:prstGeom prst="rect">
+            <a:avLst/>
+          </a:prstGeom>
+        </p:spPr>
+      </p:pic>
+      <p:sp>
+        <p:nvSpPr>
+          <p:cNvPr id="7" name="文本框 6"/>
+          <p:cNvSpPr txBox="1"/>
+          <p:nvPr/>
+        </p:nvSpPr>
+        <p:spPr>
+          <a:xfrm>
+            <a:off x="3963035" y="296545"/>
+            <a:ext cx="2214245" cy="583565"/>
+          </a:xfrm>
+          <a:prstGeom prst="rect">
+            <a:avLst/>
+          </a:prstGeom>
+          <a:noFill/>
+        </p:spPr>
+        <p:txBody>
+          <a:bodyPr wrap="square" rtlCol="0">
+            <a:spAutoFit/>
+          </a:bodyPr>
+          <a:p>
+            <a:r>
+              <a:rPr lang="zh-CN" altLang="en-US" sz="3200" b="1">
+                <a:solidFill>
+                  <a:schemeClr val="bg1"/>
+                </a:solidFill>
+              </a:rPr>
+              <a:t>应用部分</a:t>
+            </a:r>
+            <a:endParaRPr lang="zh-CN" altLang="en-US" sz="3200" b="1">
+              <a:solidFill>
+                <a:schemeClr val="bg1"/>
+              </a:solidFill>
+            </a:endParaRPr>
+          </a:p>
+        </p:txBody>
+      </p:sp>
+      <p:sp>
+        <p:nvSpPr>
+          <p:cNvPr id="2" name="文本框 1"/>
+          <p:cNvSpPr txBox="1"/>
+          <p:nvPr/>
+        </p:nvSpPr>
+        <p:spPr>
+          <a:xfrm>
+            <a:off x="5835650" y="462915"/>
+            <a:ext cx="1989455" cy="368300"/>
+          </a:xfrm>
+          <a:prstGeom prst="rect">
+            <a:avLst/>
+          </a:prstGeom>
+          <a:noFill/>
+        </p:spPr>
+        <p:txBody>
+          <a:bodyPr wrap="square" rtlCol="0">
+            <a:spAutoFit/>
+          </a:bodyPr>
+          <a:p>
+            <a:r>
+              <a:rPr lang="zh-CN" altLang="en-US">
+                <a:solidFill>
+                  <a:schemeClr val="bg1"/>
+                </a:solidFill>
+              </a:rPr>
+              <a:t>可复用组件</a:t>
+            </a:r>
+            <a:endParaRPr lang="zh-CN" altLang="en-US">
+              <a:solidFill>
+                <a:schemeClr val="bg1"/>
+              </a:solidFill>
+            </a:endParaRPr>
+          </a:p>
+        </p:txBody>
+      </p:sp>
+      <p:pic>
+        <p:nvPicPr>
+          <p:cNvPr id="11" name="图片 1"/>
+          <p:cNvPicPr>
+            <a:picLocks noChangeAspect="1"/>
+          </p:cNvPicPr>
+          <p:nvPr/>
+        </p:nvPicPr>
+        <p:blipFill>
+          <a:blip r:embed="rId3"/>
+          <a:stretch>
+            <a:fillRect/>
+          </a:stretch>
+        </p:blipFill>
+        <p:spPr>
+          <a:xfrm>
+            <a:off x="248920" y="1232853"/>
+            <a:ext cx="5928360" cy="266065"/>
+          </a:xfrm>
+          <a:prstGeom prst="rect">
+            <a:avLst/>
+          </a:prstGeom>
+          <a:noFill/>
+          <a:ln>
+            <a:noFill/>
+          </a:ln>
+        </p:spPr>
+      </p:pic>
+      <p:pic>
+        <p:nvPicPr>
+          <p:cNvPr id="169" name="图片 169" descr="屏幕截图 2021-01-05 165338"/>
+          <p:cNvPicPr>
+            <a:picLocks noChangeAspect="1"/>
+          </p:cNvPicPr>
+          <p:nvPr/>
+        </p:nvPicPr>
+        <p:blipFill>
+          <a:blip r:embed="rId4"/>
+          <a:stretch>
+            <a:fillRect/>
+          </a:stretch>
+        </p:blipFill>
+        <p:spPr>
+          <a:xfrm>
+            <a:off x="242888" y="1654493"/>
+            <a:ext cx="5934075" cy="2666365"/>
+          </a:xfrm>
+          <a:prstGeom prst="rect">
+            <a:avLst/>
+          </a:prstGeom>
+        </p:spPr>
+      </p:pic>
+      <p:pic>
+        <p:nvPicPr>
+          <p:cNvPr id="8" name="图片 8" descr="{9C146F89-34AE-4E23-983E-FA9FB88E806D}"/>
+          <p:cNvPicPr>
+            <a:picLocks noChangeAspect="1"/>
+          </p:cNvPicPr>
+          <p:nvPr/>
+        </p:nvPicPr>
+        <p:blipFill>
+          <a:blip r:embed="rId5"/>
+          <a:stretch>
+            <a:fillRect/>
+          </a:stretch>
+        </p:blipFill>
+        <p:spPr>
+          <a:xfrm>
+            <a:off x="6518910" y="1233170"/>
+            <a:ext cx="3489960" cy="3409950"/>
+          </a:xfrm>
+          <a:prstGeom prst="rect">
+            <a:avLst/>
+          </a:prstGeom>
+        </p:spPr>
+      </p:pic>
+      <p:pic>
+        <p:nvPicPr>
+          <p:cNvPr id="167" name="图片 167" descr="屏幕截图 2021-01-05 165839"/>
+          <p:cNvPicPr>
+            <a:picLocks noChangeAspect="1"/>
+          </p:cNvPicPr>
+          <p:nvPr/>
+        </p:nvPicPr>
+        <p:blipFill>
+          <a:blip r:embed="rId6"/>
+          <a:stretch>
+            <a:fillRect/>
+          </a:stretch>
+        </p:blipFill>
+        <p:spPr>
+          <a:xfrm>
+            <a:off x="406400" y="4238308"/>
+            <a:ext cx="2457450" cy="2619375"/>
+          </a:xfrm>
+          <a:prstGeom prst="rect">
+            <a:avLst/>
+          </a:prstGeom>
+        </p:spPr>
+      </p:pic>
+    </p:spTree>
+    <p:custDataLst>
+      <p:tags r:id="rId7"/>
+    </p:custDataLst>
+  </p:cSld>
+  <p:clrMapOvr>
+    <a:masterClrMapping/>
+  </p:clrMapOvr>
+</p:sld>
+</file>
+
+<file path=ppt/slides/slide11.xml><?xml version="1.0" encoding="utf-8"?>
+<p:sld xmlns:a="http://schemas.openxmlformats.org/drawingml/2006/main" xmlns:r="http://schemas.openxmlformats.org/officeDocument/2006/relationships" xmlns:p="http://schemas.openxmlformats.org/presentationml/2006/main">
+  <p:cSld>
+    <p:bg>
+      <p:bgPr>
+        <a:solidFill>
+          <a:schemeClr val="bg1"/>
+        </a:solidFill>
+        <a:effectLst/>
+      </p:bgPr>
+    </p:bg>
+    <p:spTree>
+      <p:nvGrpSpPr>
+        <p:cNvPr id="1" name=""/>
+        <p:cNvGrpSpPr/>
+        <p:nvPr/>
+      </p:nvGrpSpPr>
+      <p:grpSpPr>
+        <a:xfrm>
+          <a:off x="0" y="0"/>
+          <a:ext cx="0" cy="0"/>
+          <a:chOff x="0" y="0"/>
+          <a:chExt cx="0" cy="0"/>
+        </a:xfrm>
+      </p:grpSpPr>
+      <p:sp>
+        <p:nvSpPr>
+          <p:cNvPr id="4" name="矩形 3"/>
+          <p:cNvSpPr/>
+          <p:nvPr/>
+        </p:nvSpPr>
+        <p:spPr>
+          <a:xfrm>
+            <a:off x="-41275" y="0"/>
+            <a:ext cx="12232640" cy="1104265"/>
+          </a:xfrm>
+          <a:prstGeom prst="rect">
+            <a:avLst/>
+          </a:prstGeom>
+          <a:solidFill>
+            <a:srgbClr val="DA2128"/>
+          </a:solidFill>
+          <a:ln>
+            <a:noFill/>
+          </a:ln>
+        </p:spPr>
+        <p:style>
+          <a:lnRef idx="2">
+            <a:schemeClr val="accent1">
+              <a:shade val="50000"/>
+            </a:schemeClr>
+          </a:lnRef>
+          <a:fillRef idx="1">
+            <a:schemeClr val="accent1"/>
+          </a:fillRef>
+          <a:effectRef idx="0">
+            <a:schemeClr val="accent1"/>
+          </a:effectRef>
+          <a:fontRef idx="minor">
+            <a:schemeClr val="lt1"/>
+          </a:fontRef>
+        </p:style>
+        <p:txBody>
+          <a:bodyPr rtlCol="0" anchor="ctr"/>
+          <a:p>
+            <a:pPr algn="ctr"/>
+            <a:endParaRPr lang="zh-CN" altLang="en-US"/>
+          </a:p>
+        </p:txBody>
+      </p:sp>
+      <p:pic>
+        <p:nvPicPr>
+          <p:cNvPr id="5" name="图片 4" descr="logo"/>
+          <p:cNvPicPr>
+            <a:picLocks noChangeAspect="1"/>
+          </p:cNvPicPr>
+          <p:nvPr/>
+        </p:nvPicPr>
+        <p:blipFill>
+          <a:blip r:embed="rId1"/>
+          <a:stretch>
+            <a:fillRect/>
+          </a:stretch>
+        </p:blipFill>
+        <p:spPr>
+          <a:xfrm>
+            <a:off x="662940" y="262255"/>
+            <a:ext cx="2931160" cy="652145"/>
+          </a:xfrm>
+          <a:prstGeom prst="rect">
+            <a:avLst/>
+          </a:prstGeom>
+        </p:spPr>
+      </p:pic>
+      <p:pic>
+        <p:nvPicPr>
+          <p:cNvPr id="6" name="图片 5" descr="head_bg"/>
+          <p:cNvPicPr>
+            <a:picLocks noChangeAspect="1"/>
+          </p:cNvPicPr>
+          <p:nvPr/>
+        </p:nvPicPr>
+        <p:blipFill>
+          <a:blip r:embed="rId2"/>
+          <a:stretch>
+            <a:fillRect/>
+          </a:stretch>
+        </p:blipFill>
+        <p:spPr>
+          <a:xfrm>
+            <a:off x="7825105" y="64770"/>
+            <a:ext cx="4227830" cy="974725"/>
+          </a:xfrm>
+          <a:prstGeom prst="rect">
+            <a:avLst/>
+          </a:prstGeom>
+        </p:spPr>
+      </p:pic>
+      <p:sp>
+        <p:nvSpPr>
+          <p:cNvPr id="7" name="文本框 6"/>
+          <p:cNvSpPr txBox="1"/>
+          <p:nvPr/>
+        </p:nvSpPr>
+        <p:spPr>
+          <a:xfrm>
+            <a:off x="3963035" y="296545"/>
+            <a:ext cx="2214245" cy="583565"/>
+          </a:xfrm>
+          <a:prstGeom prst="rect">
+            <a:avLst/>
+          </a:prstGeom>
+          <a:noFill/>
+        </p:spPr>
+        <p:txBody>
+          <a:bodyPr wrap="square" rtlCol="0">
+            <a:spAutoFit/>
+          </a:bodyPr>
+          <a:p>
+            <a:r>
+              <a:rPr lang="zh-CN" altLang="en-US" sz="3200" b="1">
+                <a:solidFill>
+                  <a:schemeClr val="bg1"/>
+                </a:solidFill>
+              </a:rPr>
+              <a:t>应用部分</a:t>
+            </a:r>
+            <a:endParaRPr lang="zh-CN" altLang="en-US" sz="3200" b="1">
+              <a:solidFill>
+                <a:schemeClr val="bg1"/>
+              </a:solidFill>
+            </a:endParaRPr>
+          </a:p>
+        </p:txBody>
+      </p:sp>
+      <p:sp>
+        <p:nvSpPr>
+          <p:cNvPr id="2" name="文本框 1"/>
+          <p:cNvSpPr txBox="1"/>
+          <p:nvPr/>
+        </p:nvSpPr>
+        <p:spPr>
+          <a:xfrm>
+            <a:off x="5835650" y="462915"/>
+            <a:ext cx="1989455" cy="368300"/>
+          </a:xfrm>
+          <a:prstGeom prst="rect">
+            <a:avLst/>
+          </a:prstGeom>
+          <a:noFill/>
+        </p:spPr>
+        <p:txBody>
+          <a:bodyPr wrap="square" rtlCol="0">
+            <a:spAutoFit/>
+          </a:bodyPr>
+          <a:p>
+            <a:r>
+              <a:rPr lang="zh-CN" altLang="en-US">
+                <a:solidFill>
+                  <a:schemeClr val="bg1"/>
+                </a:solidFill>
+              </a:rPr>
+              <a:t>可复用组件</a:t>
+            </a:r>
+            <a:endParaRPr lang="zh-CN" altLang="en-US">
+              <a:solidFill>
+                <a:schemeClr val="bg1"/>
+              </a:solidFill>
+            </a:endParaRPr>
+          </a:p>
+        </p:txBody>
+      </p:sp>
+      <p:pic>
+        <p:nvPicPr>
+          <p:cNvPr id="175" name="图片 175" descr="屏幕截图 2021-01-05 190115"/>
+          <p:cNvPicPr>
+            <a:picLocks noChangeAspect="1"/>
+          </p:cNvPicPr>
+          <p:nvPr/>
+        </p:nvPicPr>
+        <p:blipFill>
+          <a:blip r:embed="rId3"/>
+          <a:stretch>
+            <a:fillRect/>
+          </a:stretch>
+        </p:blipFill>
+        <p:spPr>
+          <a:xfrm>
+            <a:off x="662940" y="1269365"/>
+            <a:ext cx="2280285" cy="4319270"/>
+          </a:xfrm>
+          <a:prstGeom prst="rect">
+            <a:avLst/>
+          </a:prstGeom>
+        </p:spPr>
+      </p:pic>
+      <p:pic>
+        <p:nvPicPr>
+          <p:cNvPr id="177" name="图片 177" descr="屏幕截图 2021-01-05 190211"/>
+          <p:cNvPicPr>
+            <a:picLocks noChangeAspect="1"/>
+          </p:cNvPicPr>
+          <p:nvPr/>
+        </p:nvPicPr>
+        <p:blipFill>
+          <a:blip r:embed="rId4"/>
+          <a:stretch>
+            <a:fillRect/>
+          </a:stretch>
+        </p:blipFill>
+        <p:spPr>
+          <a:xfrm>
+            <a:off x="3024505" y="1269365"/>
+            <a:ext cx="1619885" cy="4343400"/>
+          </a:xfrm>
+          <a:prstGeom prst="rect">
+            <a:avLst/>
+          </a:prstGeom>
+        </p:spPr>
+      </p:pic>
+      <p:pic>
+        <p:nvPicPr>
+          <p:cNvPr id="15" name="图片 5"/>
+          <p:cNvPicPr>
+            <a:picLocks noChangeAspect="1"/>
+          </p:cNvPicPr>
+          <p:nvPr/>
+        </p:nvPicPr>
+        <p:blipFill>
+          <a:blip r:embed="rId5"/>
+          <a:stretch>
+            <a:fillRect/>
+          </a:stretch>
+        </p:blipFill>
+        <p:spPr>
+          <a:xfrm>
+            <a:off x="5221288" y="1269365"/>
+            <a:ext cx="5931535" cy="4165600"/>
+          </a:xfrm>
+          <a:prstGeom prst="rect">
+            <a:avLst/>
+          </a:prstGeom>
+          <a:noFill/>
+          <a:ln>
+            <a:noFill/>
+          </a:ln>
+        </p:spPr>
+      </p:pic>
+    </p:spTree>
+    <p:custDataLst>
+      <p:tags r:id="rId6"/>
+    </p:custDataLst>
+  </p:cSld>
+  <p:clrMapOvr>
+    <a:masterClrMapping/>
+  </p:clrMapOvr>
+</p:sld>
+</file>
+
+<file path=ppt/slides/slide12.xml><?xml version="1.0" encoding="utf-8"?>
+<p:sld xmlns:a="http://schemas.openxmlformats.org/drawingml/2006/main" xmlns:r="http://schemas.openxmlformats.org/officeDocument/2006/relationships" xmlns:p="http://schemas.openxmlformats.org/presentationml/2006/main">
+  <p:cSld>
+    <p:bg>
+      <p:bgPr>
+        <a:solidFill>
+          <a:schemeClr val="bg1"/>
+        </a:solidFill>
+        <a:effectLst/>
+      </p:bgPr>
+    </p:bg>
+    <p:spTree>
+      <p:nvGrpSpPr>
+        <p:cNvPr id="1" name=""/>
+        <p:cNvGrpSpPr/>
+        <p:nvPr/>
+      </p:nvGrpSpPr>
+      <p:grpSpPr>
+        <a:xfrm>
+          <a:off x="0" y="0"/>
+          <a:ext cx="0" cy="0"/>
+          <a:chOff x="0" y="0"/>
+          <a:chExt cx="0" cy="0"/>
+        </a:xfrm>
+      </p:grpSpPr>
+      <p:sp>
+        <p:nvSpPr>
+          <p:cNvPr id="4" name="矩形 3"/>
+          <p:cNvSpPr/>
+          <p:nvPr/>
+        </p:nvSpPr>
+        <p:spPr>
+          <a:xfrm>
+            <a:off x="-41275" y="0"/>
+            <a:ext cx="12232640" cy="1104265"/>
+          </a:xfrm>
+          <a:prstGeom prst="rect">
+            <a:avLst/>
+          </a:prstGeom>
+          <a:solidFill>
+            <a:srgbClr val="DA2128"/>
+          </a:solidFill>
+          <a:ln>
+            <a:noFill/>
+          </a:ln>
+        </p:spPr>
+        <p:style>
+          <a:lnRef idx="2">
+            <a:schemeClr val="accent1">
+              <a:shade val="50000"/>
+            </a:schemeClr>
+          </a:lnRef>
+          <a:fillRef idx="1">
+            <a:schemeClr val="accent1"/>
+          </a:fillRef>
+          <a:effectRef idx="0">
+            <a:schemeClr val="accent1"/>
+          </a:effectRef>
+          <a:fontRef idx="minor">
+            <a:schemeClr val="lt1"/>
+          </a:fontRef>
+        </p:style>
+        <p:txBody>
+          <a:bodyPr rtlCol="0" anchor="ctr"/>
+          <a:p>
+            <a:pPr algn="ctr"/>
+            <a:endParaRPr lang="zh-CN" altLang="en-US"/>
+          </a:p>
+        </p:txBody>
+      </p:sp>
+      <p:pic>
+        <p:nvPicPr>
+          <p:cNvPr id="5" name="图片 4" descr="logo"/>
+          <p:cNvPicPr>
+            <a:picLocks noChangeAspect="1"/>
+          </p:cNvPicPr>
+          <p:nvPr/>
+        </p:nvPicPr>
+        <p:blipFill>
+          <a:blip r:embed="rId1"/>
+          <a:stretch>
+            <a:fillRect/>
+          </a:stretch>
+        </p:blipFill>
+        <p:spPr>
+          <a:xfrm>
+            <a:off x="662940" y="262255"/>
+            <a:ext cx="2931160" cy="652145"/>
+          </a:xfrm>
+          <a:prstGeom prst="rect">
+            <a:avLst/>
+          </a:prstGeom>
+        </p:spPr>
+      </p:pic>
+      <p:pic>
+        <p:nvPicPr>
+          <p:cNvPr id="6" name="图片 5" descr="head_bg"/>
+          <p:cNvPicPr>
+            <a:picLocks noChangeAspect="1"/>
+          </p:cNvPicPr>
+          <p:nvPr/>
+        </p:nvPicPr>
+        <p:blipFill>
+          <a:blip r:embed="rId2"/>
+          <a:stretch>
+            <a:fillRect/>
+          </a:stretch>
+        </p:blipFill>
+        <p:spPr>
+          <a:xfrm>
+            <a:off x="7825105" y="64770"/>
+            <a:ext cx="4227830" cy="974725"/>
+          </a:xfrm>
+          <a:prstGeom prst="rect">
+            <a:avLst/>
+          </a:prstGeom>
+        </p:spPr>
+      </p:pic>
+      <p:sp>
+        <p:nvSpPr>
+          <p:cNvPr id="7" name="文本框 6"/>
+          <p:cNvSpPr txBox="1"/>
+          <p:nvPr/>
+        </p:nvSpPr>
+        <p:spPr>
+          <a:xfrm>
+            <a:off x="3963035" y="296545"/>
+            <a:ext cx="2214245" cy="583565"/>
+          </a:xfrm>
+          <a:prstGeom prst="rect">
+            <a:avLst/>
+          </a:prstGeom>
+          <a:noFill/>
+        </p:spPr>
+        <p:txBody>
+          <a:bodyPr wrap="square" rtlCol="0">
+            <a:spAutoFit/>
+          </a:bodyPr>
+          <a:p>
+            <a:r>
+              <a:rPr lang="zh-CN" altLang="en-US" sz="3200" b="1">
+                <a:solidFill>
+                  <a:schemeClr val="bg1"/>
+                </a:solidFill>
+              </a:rPr>
+              <a:t>应用部分</a:t>
+            </a:r>
+            <a:endParaRPr lang="zh-CN" altLang="en-US" sz="3200" b="1">
+              <a:solidFill>
+                <a:schemeClr val="bg1"/>
+              </a:solidFill>
+            </a:endParaRPr>
+          </a:p>
+        </p:txBody>
+      </p:sp>
+      <p:sp>
+        <p:nvSpPr>
+          <p:cNvPr id="2" name="文本框 1"/>
+          <p:cNvSpPr txBox="1"/>
+          <p:nvPr/>
+        </p:nvSpPr>
+        <p:spPr>
+          <a:xfrm>
+            <a:off x="5835650" y="462915"/>
+            <a:ext cx="1989455" cy="368300"/>
+          </a:xfrm>
+          <a:prstGeom prst="rect">
+            <a:avLst/>
+          </a:prstGeom>
+          <a:noFill/>
+        </p:spPr>
+        <p:txBody>
+          <a:bodyPr wrap="square" rtlCol="0">
+            <a:spAutoFit/>
+          </a:bodyPr>
+          <a:p>
+            <a:r>
+              <a:rPr lang="zh-CN" altLang="en-US">
+                <a:solidFill>
+                  <a:schemeClr val="bg1"/>
+                </a:solidFill>
+              </a:rPr>
+              <a:t>可复用组件</a:t>
+            </a:r>
+            <a:endParaRPr lang="zh-CN" altLang="en-US">
+              <a:solidFill>
+                <a:schemeClr val="bg1"/>
+              </a:solidFill>
+            </a:endParaRPr>
+          </a:p>
+        </p:txBody>
+      </p:sp>
+      <p:pic>
+        <p:nvPicPr>
+          <p:cNvPr id="16" name="图片 6"/>
+          <p:cNvPicPr>
+            <a:picLocks noChangeAspect="1"/>
+          </p:cNvPicPr>
+          <p:nvPr/>
+        </p:nvPicPr>
+        <p:blipFill>
+          <a:blip r:embed="rId3"/>
+          <a:stretch>
+            <a:fillRect/>
+          </a:stretch>
+        </p:blipFill>
+        <p:spPr>
+          <a:xfrm>
+            <a:off x="212725" y="1466850"/>
+            <a:ext cx="2319020" cy="2101850"/>
+          </a:xfrm>
+          <a:prstGeom prst="rect">
+            <a:avLst/>
+          </a:prstGeom>
+          <a:noFill/>
+          <a:ln>
+            <a:noFill/>
+          </a:ln>
+        </p:spPr>
+      </p:pic>
+      <p:pic>
+        <p:nvPicPr>
+          <p:cNvPr id="17" name="图片 7"/>
+          <p:cNvPicPr>
+            <a:picLocks noChangeAspect="1"/>
+          </p:cNvPicPr>
+          <p:nvPr/>
+        </p:nvPicPr>
+        <p:blipFill>
+          <a:blip r:embed="rId4"/>
+          <a:stretch>
+            <a:fillRect/>
+          </a:stretch>
+        </p:blipFill>
+        <p:spPr>
+          <a:xfrm>
+            <a:off x="2704465" y="1466850"/>
+            <a:ext cx="3714750" cy="2602230"/>
+          </a:xfrm>
+          <a:prstGeom prst="rect">
+            <a:avLst/>
+          </a:prstGeom>
+          <a:noFill/>
+          <a:ln>
+            <a:noFill/>
+          </a:ln>
+        </p:spPr>
+      </p:pic>
+      <p:pic>
+        <p:nvPicPr>
+          <p:cNvPr id="182" name="图片 182" descr="屏幕截图 2021-01-06 173654"/>
+          <p:cNvPicPr>
+            <a:picLocks noChangeAspect="1"/>
+          </p:cNvPicPr>
+          <p:nvPr/>
+        </p:nvPicPr>
+        <p:blipFill>
+          <a:blip r:embed="rId5"/>
+          <a:stretch>
+            <a:fillRect/>
+          </a:stretch>
+        </p:blipFill>
+        <p:spPr>
+          <a:xfrm>
+            <a:off x="314643" y="4178935"/>
+            <a:ext cx="5928995" cy="1338580"/>
+          </a:xfrm>
+          <a:prstGeom prst="rect">
+            <a:avLst/>
+          </a:prstGeom>
+        </p:spPr>
+      </p:pic>
+      <p:pic>
+        <p:nvPicPr>
+          <p:cNvPr id="28" name="图片 18"/>
+          <p:cNvPicPr>
+            <a:picLocks noChangeAspect="1"/>
+          </p:cNvPicPr>
+          <p:nvPr/>
+        </p:nvPicPr>
+        <p:blipFill>
+          <a:blip r:embed="rId6"/>
+          <a:stretch>
+            <a:fillRect/>
+          </a:stretch>
+        </p:blipFill>
+        <p:spPr>
+          <a:xfrm>
+            <a:off x="6419215" y="1466850"/>
+            <a:ext cx="5473700" cy="2978150"/>
+          </a:xfrm>
+          <a:prstGeom prst="rect">
+            <a:avLst/>
+          </a:prstGeom>
+          <a:noFill/>
+          <a:ln>
+            <a:noFill/>
+          </a:ln>
+        </p:spPr>
+      </p:pic>
+    </p:spTree>
+    <p:custDataLst>
+      <p:tags r:id="rId7"/>
+    </p:custDataLst>
+  </p:cSld>
+  <p:clrMapOvr>
+    <a:masterClrMapping/>
+  </p:clrMapOvr>
+</p:sld>
+</file>
+
 <file path=ppt/slides/slide2.xml><?xml version="1.0" encoding="utf-8"?>
 <p:sld xmlns:a="http://schemas.openxmlformats.org/drawingml/2006/main" xmlns:r="http://schemas.openxmlformats.org/officeDocument/2006/relationships" xmlns:p="http://schemas.openxmlformats.org/presentationml/2006/main">
   <p:cSld>
@@ -4304,7 +5204,7 @@
         </p:blipFill>
         <p:spPr>
           <a:xfrm>
-            <a:off x="6898640" y="3054985"/>
+            <a:off x="6898640" y="3074670"/>
             <a:ext cx="1762760" cy="1077595"/>
           </a:xfrm>
           <a:prstGeom prst="rect">
@@ -5210,6 +6110,1590 @@
 </p:sld>
 </file>
 
+<file path=ppt/slides/slide6.xml><?xml version="1.0" encoding="utf-8"?>
+<p:sld xmlns:a="http://schemas.openxmlformats.org/drawingml/2006/main" xmlns:r="http://schemas.openxmlformats.org/officeDocument/2006/relationships" xmlns:p="http://schemas.openxmlformats.org/presentationml/2006/main">
+  <p:cSld>
+    <p:bg>
+      <p:bgPr>
+        <a:solidFill>
+          <a:schemeClr val="bg1"/>
+        </a:solidFill>
+        <a:effectLst/>
+      </p:bgPr>
+    </p:bg>
+    <p:spTree>
+      <p:nvGrpSpPr>
+        <p:cNvPr id="1" name=""/>
+        <p:cNvGrpSpPr/>
+        <p:nvPr/>
+      </p:nvGrpSpPr>
+      <p:grpSpPr>
+        <a:xfrm>
+          <a:off x="0" y="0"/>
+          <a:ext cx="0" cy="0"/>
+          <a:chOff x="0" y="0"/>
+          <a:chExt cx="0" cy="0"/>
+        </a:xfrm>
+      </p:grpSpPr>
+      <p:sp>
+        <p:nvSpPr>
+          <p:cNvPr id="4" name="矩形 3"/>
+          <p:cNvSpPr/>
+          <p:nvPr/>
+        </p:nvSpPr>
+        <p:spPr>
+          <a:xfrm>
+            <a:off x="-41275" y="0"/>
+            <a:ext cx="12232640" cy="1104265"/>
+          </a:xfrm>
+          <a:prstGeom prst="rect">
+            <a:avLst/>
+          </a:prstGeom>
+          <a:solidFill>
+            <a:srgbClr val="DA2128"/>
+          </a:solidFill>
+          <a:ln>
+            <a:noFill/>
+          </a:ln>
+        </p:spPr>
+        <p:style>
+          <a:lnRef idx="2">
+            <a:schemeClr val="accent1">
+              <a:shade val="50000"/>
+            </a:schemeClr>
+          </a:lnRef>
+          <a:fillRef idx="1">
+            <a:schemeClr val="accent1"/>
+          </a:fillRef>
+          <a:effectRef idx="0">
+            <a:schemeClr val="accent1"/>
+          </a:effectRef>
+          <a:fontRef idx="minor">
+            <a:schemeClr val="lt1"/>
+          </a:fontRef>
+        </p:style>
+        <p:txBody>
+          <a:bodyPr rtlCol="0" anchor="ctr"/>
+          <a:p>
+            <a:pPr algn="ctr"/>
+            <a:endParaRPr lang="zh-CN" altLang="en-US"/>
+          </a:p>
+        </p:txBody>
+      </p:sp>
+      <p:pic>
+        <p:nvPicPr>
+          <p:cNvPr id="5" name="图片 4" descr="logo"/>
+          <p:cNvPicPr>
+            <a:picLocks noChangeAspect="1"/>
+          </p:cNvPicPr>
+          <p:nvPr/>
+        </p:nvPicPr>
+        <p:blipFill>
+          <a:blip r:embed="rId1"/>
+          <a:stretch>
+            <a:fillRect/>
+          </a:stretch>
+        </p:blipFill>
+        <p:spPr>
+          <a:xfrm>
+            <a:off x="662940" y="262255"/>
+            <a:ext cx="2931160" cy="652145"/>
+          </a:xfrm>
+          <a:prstGeom prst="rect">
+            <a:avLst/>
+          </a:prstGeom>
+        </p:spPr>
+      </p:pic>
+      <p:pic>
+        <p:nvPicPr>
+          <p:cNvPr id="6" name="图片 5" descr="head_bg"/>
+          <p:cNvPicPr>
+            <a:picLocks noChangeAspect="1"/>
+          </p:cNvPicPr>
+          <p:nvPr/>
+        </p:nvPicPr>
+        <p:blipFill>
+          <a:blip r:embed="rId2"/>
+          <a:stretch>
+            <a:fillRect/>
+          </a:stretch>
+        </p:blipFill>
+        <p:spPr>
+          <a:xfrm>
+            <a:off x="7825105" y="64770"/>
+            <a:ext cx="4227830" cy="974725"/>
+          </a:xfrm>
+          <a:prstGeom prst="rect">
+            <a:avLst/>
+          </a:prstGeom>
+        </p:spPr>
+      </p:pic>
+      <p:sp>
+        <p:nvSpPr>
+          <p:cNvPr id="7" name="文本框 6"/>
+          <p:cNvSpPr txBox="1"/>
+          <p:nvPr/>
+        </p:nvSpPr>
+        <p:spPr>
+          <a:xfrm>
+            <a:off x="3963035" y="296545"/>
+            <a:ext cx="2214245" cy="583565"/>
+          </a:xfrm>
+          <a:prstGeom prst="rect">
+            <a:avLst/>
+          </a:prstGeom>
+          <a:noFill/>
+        </p:spPr>
+        <p:txBody>
+          <a:bodyPr wrap="square" rtlCol="0">
+            <a:spAutoFit/>
+          </a:bodyPr>
+          <a:p>
+            <a:r>
+              <a:rPr lang="zh-CN" altLang="en-US" sz="3200" b="1">
+                <a:solidFill>
+                  <a:schemeClr val="bg1"/>
+                </a:solidFill>
+              </a:rPr>
+              <a:t>基础部分</a:t>
+            </a:r>
+            <a:endParaRPr lang="zh-CN" altLang="en-US" sz="3200" b="1">
+              <a:solidFill>
+                <a:schemeClr val="bg1"/>
+              </a:solidFill>
+            </a:endParaRPr>
+          </a:p>
+        </p:txBody>
+      </p:sp>
+      <p:sp>
+        <p:nvSpPr>
+          <p:cNvPr id="2" name="文本框 1"/>
+          <p:cNvSpPr txBox="1"/>
+          <p:nvPr/>
+        </p:nvSpPr>
+        <p:spPr>
+          <a:xfrm>
+            <a:off x="5835650" y="462915"/>
+            <a:ext cx="1989455" cy="368300"/>
+          </a:xfrm>
+          <a:prstGeom prst="rect">
+            <a:avLst/>
+          </a:prstGeom>
+          <a:noFill/>
+        </p:spPr>
+        <p:txBody>
+          <a:bodyPr wrap="square" rtlCol="0">
+            <a:spAutoFit/>
+          </a:bodyPr>
+          <a:p>
+            <a:r>
+              <a:rPr lang="zh-CN">
+                <a:solidFill>
+                  <a:schemeClr val="bg1"/>
+                </a:solidFill>
+              </a:rPr>
+              <a:t>设计规范</a:t>
+            </a:r>
+            <a:endParaRPr lang="zh-CN">
+              <a:solidFill>
+                <a:schemeClr val="bg1"/>
+              </a:solidFill>
+            </a:endParaRPr>
+          </a:p>
+        </p:txBody>
+      </p:sp>
+      <p:sp>
+        <p:nvSpPr>
+          <p:cNvPr id="9" name="文本框 8"/>
+          <p:cNvSpPr txBox="1"/>
+          <p:nvPr/>
+        </p:nvSpPr>
+        <p:spPr>
+          <a:xfrm>
+            <a:off x="599440" y="1282700"/>
+            <a:ext cx="1437005" cy="368300"/>
+          </a:xfrm>
+          <a:prstGeom prst="rect">
+            <a:avLst/>
+          </a:prstGeom>
+          <a:noFill/>
+        </p:spPr>
+        <p:txBody>
+          <a:bodyPr wrap="square" rtlCol="0">
+            <a:spAutoFit/>
+          </a:bodyPr>
+          <a:p>
+            <a:r>
+              <a:rPr lang="zh-CN" altLang="en-US" b="1"/>
+              <a:t>颜色</a:t>
+            </a:r>
+            <a:endParaRPr lang="zh-CN" altLang="en-US" b="1"/>
+          </a:p>
+        </p:txBody>
+      </p:sp>
+      <p:pic>
+        <p:nvPicPr>
+          <p:cNvPr id="161" name="图片 161" descr="屏幕截图 2021-01-03 172113"/>
+          <p:cNvPicPr>
+            <a:picLocks noChangeAspect="1"/>
+          </p:cNvPicPr>
+          <p:nvPr/>
+        </p:nvPicPr>
+        <p:blipFill>
+          <a:blip r:embed="rId3"/>
+          <a:stretch>
+            <a:fillRect/>
+          </a:stretch>
+        </p:blipFill>
+        <p:spPr>
+          <a:xfrm>
+            <a:off x="662940" y="1579880"/>
+            <a:ext cx="4236720" cy="1584960"/>
+          </a:xfrm>
+          <a:prstGeom prst="rect">
+            <a:avLst/>
+          </a:prstGeom>
+        </p:spPr>
+      </p:pic>
+      <p:pic>
+        <p:nvPicPr>
+          <p:cNvPr id="162" name="图片 162" descr="屏幕截图 2021-01-03 173009"/>
+          <p:cNvPicPr>
+            <a:picLocks noChangeAspect="1"/>
+          </p:cNvPicPr>
+          <p:nvPr/>
+        </p:nvPicPr>
+        <p:blipFill>
+          <a:blip r:embed="rId4"/>
+          <a:stretch>
+            <a:fillRect/>
+          </a:stretch>
+        </p:blipFill>
+        <p:spPr>
+          <a:xfrm>
+            <a:off x="5835333" y="2195830"/>
+            <a:ext cx="5939155" cy="969010"/>
+          </a:xfrm>
+          <a:prstGeom prst="rect">
+            <a:avLst/>
+          </a:prstGeom>
+        </p:spPr>
+      </p:pic>
+      <p:sp>
+        <p:nvSpPr>
+          <p:cNvPr id="10" name="文本框 9"/>
+          <p:cNvSpPr txBox="1"/>
+          <p:nvPr/>
+        </p:nvSpPr>
+        <p:spPr>
+          <a:xfrm>
+            <a:off x="988695" y="3164840"/>
+            <a:ext cx="3293110" cy="368300"/>
+          </a:xfrm>
+          <a:prstGeom prst="rect">
+            <a:avLst/>
+          </a:prstGeom>
+          <a:noFill/>
+        </p:spPr>
+        <p:txBody>
+          <a:bodyPr wrap="square" rtlCol="0">
+            <a:spAutoFit/>
+          </a:bodyPr>
+          <a:p>
+            <a:r>
+              <a:rPr lang="zh-CN" altLang="en-US"/>
+              <a:t>主色</a:t>
+            </a:r>
+            <a:r>
+              <a:rPr lang="en-US" altLang="zh-CN"/>
+              <a:t>(</a:t>
+            </a:r>
+            <a:r>
+              <a:rPr lang="zh-CN" altLang="en-US"/>
+              <a:t>企业文化、受众群体</a:t>
+            </a:r>
+            <a:r>
+              <a:rPr lang="en-US" altLang="zh-CN"/>
+              <a:t>)</a:t>
+            </a:r>
+            <a:endParaRPr lang="en-US" altLang="zh-CN"/>
+          </a:p>
+        </p:txBody>
+      </p:sp>
+      <p:sp>
+        <p:nvSpPr>
+          <p:cNvPr id="11" name="文本框 10"/>
+          <p:cNvSpPr txBox="1"/>
+          <p:nvPr/>
+        </p:nvSpPr>
+        <p:spPr>
+          <a:xfrm>
+            <a:off x="6414135" y="3164840"/>
+            <a:ext cx="5006340" cy="368300"/>
+          </a:xfrm>
+          <a:prstGeom prst="rect">
+            <a:avLst/>
+          </a:prstGeom>
+          <a:noFill/>
+        </p:spPr>
+        <p:txBody>
+          <a:bodyPr wrap="square" rtlCol="0">
+            <a:spAutoFit/>
+          </a:bodyPr>
+          <a:p>
+            <a:pPr algn="ctr"/>
+            <a:r>
+              <a:rPr lang="zh-CN" altLang="en-US"/>
+              <a:t>辅色</a:t>
+            </a:r>
+            <a:r>
+              <a:rPr lang="en-US" altLang="zh-CN"/>
+              <a:t>(</a:t>
+            </a:r>
+            <a:r>
+              <a:rPr lang="zh-CN" altLang="en-US"/>
+              <a:t>业务场景</a:t>
+            </a:r>
+            <a:r>
+              <a:rPr lang="en-US" altLang="zh-CN"/>
+              <a:t>)</a:t>
+            </a:r>
+            <a:endParaRPr lang="en-US" altLang="zh-CN"/>
+          </a:p>
+        </p:txBody>
+      </p:sp>
+      <p:sp>
+        <p:nvSpPr>
+          <p:cNvPr id="12" name="文本框 11"/>
+          <p:cNvSpPr txBox="1"/>
+          <p:nvPr/>
+        </p:nvSpPr>
+        <p:spPr>
+          <a:xfrm>
+            <a:off x="599440" y="3707130"/>
+            <a:ext cx="1580515" cy="368300"/>
+          </a:xfrm>
+          <a:prstGeom prst="rect">
+            <a:avLst/>
+          </a:prstGeom>
+          <a:noFill/>
+        </p:spPr>
+        <p:txBody>
+          <a:bodyPr wrap="square" rtlCol="0">
+            <a:spAutoFit/>
+          </a:bodyPr>
+          <a:p>
+            <a:r>
+              <a:rPr lang="zh-CN" altLang="en-US" b="1"/>
+              <a:t>字体</a:t>
+            </a:r>
+            <a:endParaRPr lang="zh-CN" altLang="en-US" b="1"/>
+          </a:p>
+        </p:txBody>
+      </p:sp>
+      <p:sp>
+        <p:nvSpPr>
+          <p:cNvPr id="100" name="文本框 99"/>
+          <p:cNvSpPr txBox="1"/>
+          <p:nvPr/>
+        </p:nvSpPr>
+        <p:spPr>
+          <a:xfrm>
+            <a:off x="1109345" y="4017645"/>
+            <a:ext cx="10732135" cy="521970"/>
+          </a:xfrm>
+          <a:prstGeom prst="rect">
+            <a:avLst/>
+          </a:prstGeom>
+          <a:noFill/>
+          <a:ln w="9525">
+            <a:noFill/>
+          </a:ln>
+        </p:spPr>
+        <p:txBody>
+          <a:bodyPr wrap="square">
+            <a:spAutoFit/>
+          </a:bodyPr>
+          <a:p>
+            <a:pPr indent="0"/>
+            <a:r>
+              <a:rPr lang="en-US" sz="1400" b="0">
+                <a:solidFill>
+                  <a:srgbClr val="3182BD"/>
+                </a:solidFill>
+                <a:latin typeface="Consolas" panose="020B0609020204030204" charset="0"/>
+                <a:ea typeface="宋体" panose="02010600030101010101" pitchFamily="2" charset="-122"/>
+              </a:rPr>
+              <a:t>font-family</a:t>
+            </a:r>
+            <a:r>
+              <a:rPr lang="en-US" sz="1400" b="0">
+                <a:solidFill>
+                  <a:srgbClr val="000000"/>
+                </a:solidFill>
+                <a:latin typeface="Consolas" panose="020B0609020204030204" charset="0"/>
+                <a:ea typeface="宋体" panose="02010600030101010101" pitchFamily="2" charset="-122"/>
+              </a:rPr>
+              <a:t>: "</a:t>
+            </a:r>
+            <a:r>
+              <a:rPr lang="en-US" sz="1400" b="0">
+                <a:solidFill>
+                  <a:srgbClr val="3182BD"/>
+                </a:solidFill>
+                <a:latin typeface="Consolas" panose="020B0609020204030204" charset="0"/>
+                <a:ea typeface="宋体" panose="02010600030101010101" pitchFamily="2" charset="-122"/>
+              </a:rPr>
+              <a:t>Helvetica</a:t>
+            </a:r>
+            <a:r>
+              <a:rPr lang="en-US" sz="1400" b="0">
+                <a:solidFill>
+                  <a:srgbClr val="000000"/>
+                </a:solidFill>
+                <a:latin typeface="Consolas" panose="020B0609020204030204" charset="0"/>
+                <a:ea typeface="宋体" panose="02010600030101010101" pitchFamily="2" charset="-122"/>
+              </a:rPr>
+              <a:t> </a:t>
+            </a:r>
+            <a:r>
+              <a:rPr lang="en-US" sz="1400" b="0">
+                <a:solidFill>
+                  <a:srgbClr val="3182BD"/>
+                </a:solidFill>
+                <a:latin typeface="Consolas" panose="020B0609020204030204" charset="0"/>
+                <a:ea typeface="宋体" panose="02010600030101010101" pitchFamily="2" charset="-122"/>
+              </a:rPr>
+              <a:t>Neue</a:t>
+            </a:r>
+            <a:r>
+              <a:rPr lang="en-US" sz="1400" b="0">
+                <a:solidFill>
+                  <a:srgbClr val="000000"/>
+                </a:solidFill>
+                <a:latin typeface="Consolas" panose="020B0609020204030204" charset="0"/>
+                <a:ea typeface="宋体" panose="02010600030101010101" pitchFamily="2" charset="-122"/>
+              </a:rPr>
+              <a:t>",</a:t>
+            </a:r>
+            <a:r>
+              <a:rPr lang="en-US" sz="1400" b="0">
+                <a:solidFill>
+                  <a:srgbClr val="3182BD"/>
+                </a:solidFill>
+                <a:latin typeface="Consolas" panose="020B0609020204030204" charset="0"/>
+                <a:ea typeface="宋体" panose="02010600030101010101" pitchFamily="2" charset="-122"/>
+              </a:rPr>
+              <a:t>Helvetica</a:t>
+            </a:r>
+            <a:r>
+              <a:rPr lang="en-US" sz="1400" b="0">
+                <a:solidFill>
+                  <a:srgbClr val="000000"/>
+                </a:solidFill>
+                <a:latin typeface="Consolas" panose="020B0609020204030204" charset="0"/>
+                <a:ea typeface="宋体" panose="02010600030101010101" pitchFamily="2" charset="-122"/>
+              </a:rPr>
+              <a:t>,"</a:t>
+            </a:r>
+            <a:r>
+              <a:rPr lang="en-US" sz="1400" b="0">
+                <a:solidFill>
+                  <a:srgbClr val="3182BD"/>
+                </a:solidFill>
+                <a:latin typeface="Consolas" panose="020B0609020204030204" charset="0"/>
+                <a:ea typeface="宋体" panose="02010600030101010101" pitchFamily="2" charset="-122"/>
+              </a:rPr>
+              <a:t>PingFang</a:t>
+            </a:r>
+            <a:r>
+              <a:rPr lang="en-US" sz="1400" b="0">
+                <a:solidFill>
+                  <a:srgbClr val="000000"/>
+                </a:solidFill>
+                <a:latin typeface="Consolas" panose="020B0609020204030204" charset="0"/>
+                <a:ea typeface="宋体" panose="02010600030101010101" pitchFamily="2" charset="-122"/>
+              </a:rPr>
+              <a:t> </a:t>
+            </a:r>
+            <a:r>
+              <a:rPr lang="en-US" sz="1400" b="0">
+                <a:solidFill>
+                  <a:srgbClr val="3182BD"/>
+                </a:solidFill>
+                <a:latin typeface="Consolas" panose="020B0609020204030204" charset="0"/>
+                <a:ea typeface="宋体" panose="02010600030101010101" pitchFamily="2" charset="-122"/>
+              </a:rPr>
+              <a:t>SC</a:t>
+            </a:r>
+            <a:r>
+              <a:rPr lang="en-US" sz="1400" b="0">
+                <a:solidFill>
+                  <a:srgbClr val="000000"/>
+                </a:solidFill>
+                <a:latin typeface="Consolas" panose="020B0609020204030204" charset="0"/>
+                <a:ea typeface="宋体" panose="02010600030101010101" pitchFamily="2" charset="-122"/>
+              </a:rPr>
+              <a:t>","</a:t>
+            </a:r>
+            <a:r>
+              <a:rPr lang="en-US" sz="1400" b="0">
+                <a:solidFill>
+                  <a:srgbClr val="3182BD"/>
+                </a:solidFill>
+                <a:latin typeface="Consolas" panose="020B0609020204030204" charset="0"/>
+                <a:ea typeface="宋体" panose="02010600030101010101" pitchFamily="2" charset="-122"/>
+              </a:rPr>
+              <a:t>Hiragino</a:t>
+            </a:r>
+            <a:r>
+              <a:rPr lang="en-US" sz="1400" b="0">
+                <a:solidFill>
+                  <a:srgbClr val="000000"/>
+                </a:solidFill>
+                <a:latin typeface="Consolas" panose="020B0609020204030204" charset="0"/>
+                <a:ea typeface="宋体" panose="02010600030101010101" pitchFamily="2" charset="-122"/>
+              </a:rPr>
+              <a:t> </a:t>
+            </a:r>
+            <a:r>
+              <a:rPr lang="en-US" sz="1400" b="0">
+                <a:solidFill>
+                  <a:srgbClr val="3182BD"/>
+                </a:solidFill>
+                <a:latin typeface="Consolas" panose="020B0609020204030204" charset="0"/>
+                <a:ea typeface="宋体" panose="02010600030101010101" pitchFamily="2" charset="-122"/>
+              </a:rPr>
+              <a:t>Sans</a:t>
+            </a:r>
+            <a:r>
+              <a:rPr lang="en-US" sz="1400" b="0">
+                <a:solidFill>
+                  <a:srgbClr val="000000"/>
+                </a:solidFill>
+                <a:latin typeface="Consolas" panose="020B0609020204030204" charset="0"/>
+                <a:ea typeface="宋体" panose="02010600030101010101" pitchFamily="2" charset="-122"/>
+              </a:rPr>
+              <a:t> </a:t>
+            </a:r>
+            <a:r>
+              <a:rPr lang="en-US" sz="1400" b="0">
+                <a:solidFill>
+                  <a:srgbClr val="3182BD"/>
+                </a:solidFill>
+                <a:latin typeface="Consolas" panose="020B0609020204030204" charset="0"/>
+                <a:ea typeface="宋体" panose="02010600030101010101" pitchFamily="2" charset="-122"/>
+              </a:rPr>
+              <a:t>GB</a:t>
+            </a:r>
+            <a:r>
+              <a:rPr lang="en-US" sz="1400" b="0">
+                <a:solidFill>
+                  <a:srgbClr val="000000"/>
+                </a:solidFill>
+                <a:latin typeface="Consolas" panose="020B0609020204030204" charset="0"/>
+                <a:ea typeface="宋体" panose="02010600030101010101" pitchFamily="2" charset="-122"/>
+              </a:rPr>
+              <a:t>","</a:t>
+            </a:r>
+            <a:r>
+              <a:rPr lang="en-US" sz="1400" b="0">
+                <a:solidFill>
+                  <a:srgbClr val="3182BD"/>
+                </a:solidFill>
+                <a:latin typeface="Consolas" panose="020B0609020204030204" charset="0"/>
+                <a:ea typeface="宋体" panose="02010600030101010101" pitchFamily="2" charset="-122"/>
+              </a:rPr>
+              <a:t>Microsoft</a:t>
+            </a:r>
+            <a:r>
+              <a:rPr lang="en-US" sz="1400" b="0">
+                <a:solidFill>
+                  <a:srgbClr val="000000"/>
+                </a:solidFill>
+                <a:latin typeface="Consolas" panose="020B0609020204030204" charset="0"/>
+                <a:ea typeface="宋体" panose="02010600030101010101" pitchFamily="2" charset="-122"/>
+              </a:rPr>
+              <a:t> </a:t>
+            </a:r>
+            <a:r>
+              <a:rPr lang="en-US" sz="1400" b="0">
+                <a:solidFill>
+                  <a:srgbClr val="3182BD"/>
+                </a:solidFill>
+                <a:latin typeface="Consolas" panose="020B0609020204030204" charset="0"/>
+                <a:ea typeface="宋体" panose="02010600030101010101" pitchFamily="2" charset="-122"/>
+              </a:rPr>
+              <a:t>YaHei</a:t>
+            </a:r>
+            <a:r>
+              <a:rPr lang="zh-CN" sz="1400" b="0">
+                <a:solidFill>
+                  <a:srgbClr val="000000"/>
+                </a:solidFill>
+                <a:ea typeface="宋体" panose="02010600030101010101" pitchFamily="2" charset="-122"/>
+              </a:rPr>
+              <a:t>","微软雅黑",</a:t>
+            </a:r>
+            <a:r>
+              <a:rPr lang="en-US" sz="1400" b="0">
+                <a:solidFill>
+                  <a:srgbClr val="3182BD"/>
+                </a:solidFill>
+                <a:latin typeface="Consolas" panose="020B0609020204030204" charset="0"/>
+                <a:ea typeface="宋体" panose="02010600030101010101" pitchFamily="2" charset="-122"/>
+              </a:rPr>
+              <a:t>Arial</a:t>
+            </a:r>
+            <a:r>
+              <a:rPr lang="en-US" sz="1400" b="0">
+                <a:solidFill>
+                  <a:srgbClr val="000000"/>
+                </a:solidFill>
+                <a:latin typeface="Consolas" panose="020B0609020204030204" charset="0"/>
+                <a:ea typeface="宋体" panose="02010600030101010101" pitchFamily="2" charset="-122"/>
+              </a:rPr>
+              <a:t>,</a:t>
+            </a:r>
+            <a:r>
+              <a:rPr lang="en-US" sz="1400" b="0">
+                <a:solidFill>
+                  <a:srgbClr val="3182BD"/>
+                </a:solidFill>
+                <a:latin typeface="Consolas" panose="020B0609020204030204" charset="0"/>
+                <a:ea typeface="宋体" panose="02010600030101010101" pitchFamily="2" charset="-122"/>
+              </a:rPr>
+              <a:t>sans-serif</a:t>
+            </a:r>
+            <a:r>
+              <a:rPr lang="en-US" sz="1400" b="0">
+                <a:solidFill>
+                  <a:srgbClr val="000000"/>
+                </a:solidFill>
+                <a:latin typeface="Consolas" panose="020B0609020204030204" charset="0"/>
+                <a:ea typeface="宋体" panose="02010600030101010101" pitchFamily="2" charset="-122"/>
+              </a:rPr>
+              <a:t>;</a:t>
+            </a:r>
+            <a:endParaRPr lang="zh-CN" altLang="en-US" sz="1400"/>
+          </a:p>
+        </p:txBody>
+      </p:sp>
+      <p:pic>
+        <p:nvPicPr>
+          <p:cNvPr id="15" name="图片 14"/>
+          <p:cNvPicPr>
+            <a:picLocks noChangeAspect="1"/>
+          </p:cNvPicPr>
+          <p:nvPr/>
+        </p:nvPicPr>
+        <p:blipFill>
+          <a:blip r:embed="rId5"/>
+          <a:stretch>
+            <a:fillRect/>
+          </a:stretch>
+        </p:blipFill>
+        <p:spPr>
+          <a:xfrm>
+            <a:off x="1109345" y="4539615"/>
+            <a:ext cx="2651760" cy="2132965"/>
+          </a:xfrm>
+          <a:prstGeom prst="rect">
+            <a:avLst/>
+          </a:prstGeom>
+        </p:spPr>
+      </p:pic>
+      <p:pic>
+        <p:nvPicPr>
+          <p:cNvPr id="16" name="图片 5" descr="{8033018C-DF0E-4E1C-9EED-656482649643}"/>
+          <p:cNvPicPr>
+            <a:picLocks noChangeAspect="1"/>
+          </p:cNvPicPr>
+          <p:nvPr/>
+        </p:nvPicPr>
+        <p:blipFill>
+          <a:blip r:embed="rId6"/>
+          <a:stretch>
+            <a:fillRect/>
+          </a:stretch>
+        </p:blipFill>
+        <p:spPr>
+          <a:xfrm>
+            <a:off x="5529580" y="4776470"/>
+            <a:ext cx="5334000" cy="1200150"/>
+          </a:xfrm>
+          <a:prstGeom prst="rect">
+            <a:avLst/>
+          </a:prstGeom>
+        </p:spPr>
+      </p:pic>
+    </p:spTree>
+    <p:custDataLst>
+      <p:tags r:id="rId7"/>
+    </p:custDataLst>
+  </p:cSld>
+  <p:clrMapOvr>
+    <a:masterClrMapping/>
+  </p:clrMapOvr>
+</p:sld>
+</file>
+
+<file path=ppt/slides/slide7.xml><?xml version="1.0" encoding="utf-8"?>
+<p:sld xmlns:a="http://schemas.openxmlformats.org/drawingml/2006/main" xmlns:r="http://schemas.openxmlformats.org/officeDocument/2006/relationships" xmlns:p="http://schemas.openxmlformats.org/presentationml/2006/main">
+  <p:cSld>
+    <p:bg>
+      <p:bgPr>
+        <a:solidFill>
+          <a:schemeClr val="bg1"/>
+        </a:solidFill>
+        <a:effectLst/>
+      </p:bgPr>
+    </p:bg>
+    <p:spTree>
+      <p:nvGrpSpPr>
+        <p:cNvPr id="1" name=""/>
+        <p:cNvGrpSpPr/>
+        <p:nvPr/>
+      </p:nvGrpSpPr>
+      <p:grpSpPr>
+        <a:xfrm>
+          <a:off x="0" y="0"/>
+          <a:ext cx="0" cy="0"/>
+          <a:chOff x="0" y="0"/>
+          <a:chExt cx="0" cy="0"/>
+        </a:xfrm>
+      </p:grpSpPr>
+      <p:sp>
+        <p:nvSpPr>
+          <p:cNvPr id="4" name="矩形 3"/>
+          <p:cNvSpPr/>
+          <p:nvPr/>
+        </p:nvSpPr>
+        <p:spPr>
+          <a:xfrm>
+            <a:off x="-41275" y="0"/>
+            <a:ext cx="12232640" cy="1104265"/>
+          </a:xfrm>
+          <a:prstGeom prst="rect">
+            <a:avLst/>
+          </a:prstGeom>
+          <a:solidFill>
+            <a:srgbClr val="DA2128"/>
+          </a:solidFill>
+          <a:ln>
+            <a:noFill/>
+          </a:ln>
+        </p:spPr>
+        <p:style>
+          <a:lnRef idx="2">
+            <a:schemeClr val="accent1">
+              <a:shade val="50000"/>
+            </a:schemeClr>
+          </a:lnRef>
+          <a:fillRef idx="1">
+            <a:schemeClr val="accent1"/>
+          </a:fillRef>
+          <a:effectRef idx="0">
+            <a:schemeClr val="accent1"/>
+          </a:effectRef>
+          <a:fontRef idx="minor">
+            <a:schemeClr val="lt1"/>
+          </a:fontRef>
+        </p:style>
+        <p:txBody>
+          <a:bodyPr rtlCol="0" anchor="ctr"/>
+          <a:p>
+            <a:pPr algn="ctr"/>
+            <a:endParaRPr lang="zh-CN" altLang="en-US"/>
+          </a:p>
+        </p:txBody>
+      </p:sp>
+      <p:pic>
+        <p:nvPicPr>
+          <p:cNvPr id="5" name="图片 4" descr="logo"/>
+          <p:cNvPicPr>
+            <a:picLocks noChangeAspect="1"/>
+          </p:cNvPicPr>
+          <p:nvPr/>
+        </p:nvPicPr>
+        <p:blipFill>
+          <a:blip r:embed="rId1"/>
+          <a:stretch>
+            <a:fillRect/>
+          </a:stretch>
+        </p:blipFill>
+        <p:spPr>
+          <a:xfrm>
+            <a:off x="662940" y="262255"/>
+            <a:ext cx="2931160" cy="652145"/>
+          </a:xfrm>
+          <a:prstGeom prst="rect">
+            <a:avLst/>
+          </a:prstGeom>
+        </p:spPr>
+      </p:pic>
+      <p:pic>
+        <p:nvPicPr>
+          <p:cNvPr id="6" name="图片 5" descr="head_bg"/>
+          <p:cNvPicPr>
+            <a:picLocks noChangeAspect="1"/>
+          </p:cNvPicPr>
+          <p:nvPr/>
+        </p:nvPicPr>
+        <p:blipFill>
+          <a:blip r:embed="rId2"/>
+          <a:stretch>
+            <a:fillRect/>
+          </a:stretch>
+        </p:blipFill>
+        <p:spPr>
+          <a:xfrm>
+            <a:off x="7825105" y="64770"/>
+            <a:ext cx="4227830" cy="974725"/>
+          </a:xfrm>
+          <a:prstGeom prst="rect">
+            <a:avLst/>
+          </a:prstGeom>
+        </p:spPr>
+      </p:pic>
+      <p:sp>
+        <p:nvSpPr>
+          <p:cNvPr id="7" name="文本框 6"/>
+          <p:cNvSpPr txBox="1"/>
+          <p:nvPr/>
+        </p:nvSpPr>
+        <p:spPr>
+          <a:xfrm>
+            <a:off x="3963035" y="296545"/>
+            <a:ext cx="2214245" cy="583565"/>
+          </a:xfrm>
+          <a:prstGeom prst="rect">
+            <a:avLst/>
+          </a:prstGeom>
+          <a:noFill/>
+        </p:spPr>
+        <p:txBody>
+          <a:bodyPr wrap="square" rtlCol="0">
+            <a:spAutoFit/>
+          </a:bodyPr>
+          <a:p>
+            <a:r>
+              <a:rPr lang="zh-CN" altLang="en-US" sz="3200" b="1">
+                <a:solidFill>
+                  <a:schemeClr val="bg1"/>
+                </a:solidFill>
+              </a:rPr>
+              <a:t>基础部分</a:t>
+            </a:r>
+            <a:endParaRPr lang="zh-CN" altLang="en-US" sz="3200" b="1">
+              <a:solidFill>
+                <a:schemeClr val="bg1"/>
+              </a:solidFill>
+            </a:endParaRPr>
+          </a:p>
+        </p:txBody>
+      </p:sp>
+      <p:sp>
+        <p:nvSpPr>
+          <p:cNvPr id="2" name="文本框 1"/>
+          <p:cNvSpPr txBox="1"/>
+          <p:nvPr/>
+        </p:nvSpPr>
+        <p:spPr>
+          <a:xfrm>
+            <a:off x="5835650" y="462915"/>
+            <a:ext cx="1989455" cy="368300"/>
+          </a:xfrm>
+          <a:prstGeom prst="rect">
+            <a:avLst/>
+          </a:prstGeom>
+          <a:noFill/>
+        </p:spPr>
+        <p:txBody>
+          <a:bodyPr wrap="square" rtlCol="0">
+            <a:spAutoFit/>
+          </a:bodyPr>
+          <a:p>
+            <a:r>
+              <a:rPr lang="zh-CN">
+                <a:solidFill>
+                  <a:schemeClr val="bg1"/>
+                </a:solidFill>
+              </a:rPr>
+              <a:t>设计规范</a:t>
+            </a:r>
+            <a:endParaRPr lang="zh-CN">
+              <a:solidFill>
+                <a:schemeClr val="bg1"/>
+              </a:solidFill>
+            </a:endParaRPr>
+          </a:p>
+        </p:txBody>
+      </p:sp>
+      <p:sp>
+        <p:nvSpPr>
+          <p:cNvPr id="3" name="文本框 2"/>
+          <p:cNvSpPr txBox="1"/>
+          <p:nvPr/>
+        </p:nvSpPr>
+        <p:spPr>
+          <a:xfrm>
+            <a:off x="670560" y="1390015"/>
+            <a:ext cx="1448435" cy="368300"/>
+          </a:xfrm>
+          <a:prstGeom prst="rect">
+            <a:avLst/>
+          </a:prstGeom>
+          <a:noFill/>
+        </p:spPr>
+        <p:txBody>
+          <a:bodyPr wrap="square" rtlCol="0">
+            <a:spAutoFit/>
+          </a:bodyPr>
+          <a:p>
+            <a:r>
+              <a:rPr lang="zh-CN" altLang="en-US"/>
+              <a:t>边框</a:t>
+            </a:r>
+            <a:endParaRPr lang="zh-CN" altLang="en-US"/>
+          </a:p>
+        </p:txBody>
+      </p:sp>
+      <p:pic>
+        <p:nvPicPr>
+          <p:cNvPr id="8" name="图片 1"/>
+          <p:cNvPicPr>
+            <a:picLocks noChangeAspect="1"/>
+          </p:cNvPicPr>
+          <p:nvPr/>
+        </p:nvPicPr>
+        <p:blipFill>
+          <a:blip r:embed="rId3"/>
+          <a:stretch>
+            <a:fillRect/>
+          </a:stretch>
+        </p:blipFill>
+        <p:spPr>
+          <a:xfrm>
+            <a:off x="670560" y="1757998"/>
+            <a:ext cx="5930900" cy="1177925"/>
+          </a:xfrm>
+          <a:prstGeom prst="rect">
+            <a:avLst/>
+          </a:prstGeom>
+          <a:noFill/>
+          <a:ln>
+            <a:noFill/>
+          </a:ln>
+        </p:spPr>
+      </p:pic>
+      <p:pic>
+        <p:nvPicPr>
+          <p:cNvPr id="13" name="图片 2"/>
+          <p:cNvPicPr>
+            <a:picLocks noChangeAspect="1"/>
+          </p:cNvPicPr>
+          <p:nvPr/>
+        </p:nvPicPr>
+        <p:blipFill>
+          <a:blip r:embed="rId4"/>
+          <a:stretch>
+            <a:fillRect/>
+          </a:stretch>
+        </p:blipFill>
+        <p:spPr>
+          <a:xfrm>
+            <a:off x="662940" y="2936240"/>
+            <a:ext cx="5933440" cy="1189990"/>
+          </a:xfrm>
+          <a:prstGeom prst="rect">
+            <a:avLst/>
+          </a:prstGeom>
+          <a:noFill/>
+          <a:ln>
+            <a:noFill/>
+          </a:ln>
+        </p:spPr>
+      </p:pic>
+      <p:pic>
+        <p:nvPicPr>
+          <p:cNvPr id="14" name="图片 3"/>
+          <p:cNvPicPr>
+            <a:picLocks noChangeAspect="1"/>
+          </p:cNvPicPr>
+          <p:nvPr/>
+        </p:nvPicPr>
+        <p:blipFill>
+          <a:blip r:embed="rId5"/>
+          <a:stretch>
+            <a:fillRect/>
+          </a:stretch>
+        </p:blipFill>
+        <p:spPr>
+          <a:xfrm>
+            <a:off x="6510655" y="1927225"/>
+            <a:ext cx="5268595" cy="3207385"/>
+          </a:xfrm>
+          <a:prstGeom prst="rect">
+            <a:avLst/>
+          </a:prstGeom>
+          <a:noFill/>
+          <a:ln>
+            <a:noFill/>
+          </a:ln>
+        </p:spPr>
+      </p:pic>
+    </p:spTree>
+    <p:custDataLst>
+      <p:tags r:id="rId6"/>
+    </p:custDataLst>
+  </p:cSld>
+  <p:clrMapOvr>
+    <a:masterClrMapping/>
+  </p:clrMapOvr>
+</p:sld>
+</file>
+
+<file path=ppt/slides/slide8.xml><?xml version="1.0" encoding="utf-8"?>
+<p:sld xmlns:a="http://schemas.openxmlformats.org/drawingml/2006/main" xmlns:r="http://schemas.openxmlformats.org/officeDocument/2006/relationships" xmlns:p="http://schemas.openxmlformats.org/presentationml/2006/main">
+  <p:cSld>
+    <p:bg>
+      <p:bgPr>
+        <a:solidFill>
+          <a:schemeClr val="bg1"/>
+        </a:solidFill>
+        <a:effectLst/>
+      </p:bgPr>
+    </p:bg>
+    <p:spTree>
+      <p:nvGrpSpPr>
+        <p:cNvPr id="1" name=""/>
+        <p:cNvGrpSpPr/>
+        <p:nvPr/>
+      </p:nvGrpSpPr>
+      <p:grpSpPr>
+        <a:xfrm>
+          <a:off x="0" y="0"/>
+          <a:ext cx="0" cy="0"/>
+          <a:chOff x="0" y="0"/>
+          <a:chExt cx="0" cy="0"/>
+        </a:xfrm>
+      </p:grpSpPr>
+      <p:sp>
+        <p:nvSpPr>
+          <p:cNvPr id="4" name="矩形 3"/>
+          <p:cNvSpPr/>
+          <p:nvPr/>
+        </p:nvSpPr>
+        <p:spPr>
+          <a:xfrm>
+            <a:off x="-41275" y="0"/>
+            <a:ext cx="12232640" cy="1104265"/>
+          </a:xfrm>
+          <a:prstGeom prst="rect">
+            <a:avLst/>
+          </a:prstGeom>
+          <a:solidFill>
+            <a:srgbClr val="DA2128"/>
+          </a:solidFill>
+          <a:ln>
+            <a:noFill/>
+          </a:ln>
+        </p:spPr>
+        <p:style>
+          <a:lnRef idx="2">
+            <a:schemeClr val="accent1">
+              <a:shade val="50000"/>
+            </a:schemeClr>
+          </a:lnRef>
+          <a:fillRef idx="1">
+            <a:schemeClr val="accent1"/>
+          </a:fillRef>
+          <a:effectRef idx="0">
+            <a:schemeClr val="accent1"/>
+          </a:effectRef>
+          <a:fontRef idx="minor">
+            <a:schemeClr val="lt1"/>
+          </a:fontRef>
+        </p:style>
+        <p:txBody>
+          <a:bodyPr rtlCol="0" anchor="ctr"/>
+          <a:p>
+            <a:pPr algn="ctr"/>
+            <a:endParaRPr lang="zh-CN" altLang="en-US"/>
+          </a:p>
+        </p:txBody>
+      </p:sp>
+      <p:pic>
+        <p:nvPicPr>
+          <p:cNvPr id="5" name="图片 4" descr="logo"/>
+          <p:cNvPicPr>
+            <a:picLocks noChangeAspect="1"/>
+          </p:cNvPicPr>
+          <p:nvPr/>
+        </p:nvPicPr>
+        <p:blipFill>
+          <a:blip r:embed="rId1"/>
+          <a:stretch>
+            <a:fillRect/>
+          </a:stretch>
+        </p:blipFill>
+        <p:spPr>
+          <a:xfrm>
+            <a:off x="662940" y="262255"/>
+            <a:ext cx="2931160" cy="652145"/>
+          </a:xfrm>
+          <a:prstGeom prst="rect">
+            <a:avLst/>
+          </a:prstGeom>
+        </p:spPr>
+      </p:pic>
+      <p:pic>
+        <p:nvPicPr>
+          <p:cNvPr id="6" name="图片 5" descr="head_bg"/>
+          <p:cNvPicPr>
+            <a:picLocks noChangeAspect="1"/>
+          </p:cNvPicPr>
+          <p:nvPr/>
+        </p:nvPicPr>
+        <p:blipFill>
+          <a:blip r:embed="rId2"/>
+          <a:stretch>
+            <a:fillRect/>
+          </a:stretch>
+        </p:blipFill>
+        <p:spPr>
+          <a:xfrm>
+            <a:off x="7825105" y="64770"/>
+            <a:ext cx="4227830" cy="974725"/>
+          </a:xfrm>
+          <a:prstGeom prst="rect">
+            <a:avLst/>
+          </a:prstGeom>
+        </p:spPr>
+      </p:pic>
+      <p:sp>
+        <p:nvSpPr>
+          <p:cNvPr id="7" name="文本框 6"/>
+          <p:cNvSpPr txBox="1"/>
+          <p:nvPr/>
+        </p:nvSpPr>
+        <p:spPr>
+          <a:xfrm>
+            <a:off x="3963035" y="296545"/>
+            <a:ext cx="2214245" cy="583565"/>
+          </a:xfrm>
+          <a:prstGeom prst="rect">
+            <a:avLst/>
+          </a:prstGeom>
+          <a:noFill/>
+        </p:spPr>
+        <p:txBody>
+          <a:bodyPr wrap="square" rtlCol="0">
+            <a:spAutoFit/>
+          </a:bodyPr>
+          <a:p>
+            <a:r>
+              <a:rPr lang="zh-CN" altLang="en-US" sz="3200" b="1">
+                <a:solidFill>
+                  <a:schemeClr val="bg1"/>
+                </a:solidFill>
+              </a:rPr>
+              <a:t>基础部分</a:t>
+            </a:r>
+            <a:endParaRPr lang="zh-CN" altLang="en-US" sz="3200" b="1">
+              <a:solidFill>
+                <a:schemeClr val="bg1"/>
+              </a:solidFill>
+            </a:endParaRPr>
+          </a:p>
+        </p:txBody>
+      </p:sp>
+      <p:sp>
+        <p:nvSpPr>
+          <p:cNvPr id="2" name="文本框 1"/>
+          <p:cNvSpPr txBox="1"/>
+          <p:nvPr/>
+        </p:nvSpPr>
+        <p:spPr>
+          <a:xfrm>
+            <a:off x="5835650" y="462915"/>
+            <a:ext cx="1989455" cy="368300"/>
+          </a:xfrm>
+          <a:prstGeom prst="rect">
+            <a:avLst/>
+          </a:prstGeom>
+          <a:noFill/>
+        </p:spPr>
+        <p:txBody>
+          <a:bodyPr wrap="square" rtlCol="0">
+            <a:spAutoFit/>
+          </a:bodyPr>
+          <a:p>
+            <a:r>
+              <a:rPr lang="zh-CN">
+                <a:solidFill>
+                  <a:schemeClr val="bg1"/>
+                </a:solidFill>
+              </a:rPr>
+              <a:t>设计规范</a:t>
+            </a:r>
+            <a:endParaRPr lang="zh-CN">
+              <a:solidFill>
+                <a:schemeClr val="bg1"/>
+              </a:solidFill>
+            </a:endParaRPr>
+          </a:p>
+        </p:txBody>
+      </p:sp>
+      <p:sp>
+        <p:nvSpPr>
+          <p:cNvPr id="3" name="文本框 2"/>
+          <p:cNvSpPr txBox="1"/>
+          <p:nvPr/>
+        </p:nvSpPr>
+        <p:spPr>
+          <a:xfrm>
+            <a:off x="670560" y="1390015"/>
+            <a:ext cx="1448435" cy="368300"/>
+          </a:xfrm>
+          <a:prstGeom prst="rect">
+            <a:avLst/>
+          </a:prstGeom>
+          <a:noFill/>
+        </p:spPr>
+        <p:txBody>
+          <a:bodyPr wrap="square" rtlCol="0">
+            <a:spAutoFit/>
+          </a:bodyPr>
+          <a:p>
+            <a:r>
+              <a:rPr lang="zh-CN" altLang="en-US"/>
+              <a:t>图标</a:t>
+            </a:r>
+            <a:endParaRPr lang="zh-CN" altLang="en-US"/>
+          </a:p>
+        </p:txBody>
+      </p:sp>
+      <p:pic>
+        <p:nvPicPr>
+          <p:cNvPr id="9" name="图片 4"/>
+          <p:cNvPicPr>
+            <a:picLocks noChangeAspect="1"/>
+          </p:cNvPicPr>
+          <p:nvPr/>
+        </p:nvPicPr>
+        <p:blipFill>
+          <a:blip r:embed="rId3"/>
+          <a:stretch>
+            <a:fillRect/>
+          </a:stretch>
+        </p:blipFill>
+        <p:spPr>
+          <a:xfrm>
+            <a:off x="662940" y="1758315"/>
+            <a:ext cx="4841240" cy="4064000"/>
+          </a:xfrm>
+          <a:prstGeom prst="rect">
+            <a:avLst/>
+          </a:prstGeom>
+          <a:noFill/>
+          <a:ln>
+            <a:noFill/>
+          </a:ln>
+        </p:spPr>
+      </p:pic>
+    </p:spTree>
+    <p:custDataLst>
+      <p:tags r:id="rId4"/>
+    </p:custDataLst>
+  </p:cSld>
+  <p:clrMapOvr>
+    <a:masterClrMapping/>
+  </p:clrMapOvr>
+</p:sld>
+</file>
+
+<file path=ppt/slides/slide9.xml><?xml version="1.0" encoding="utf-8"?>
+<p:sld xmlns:a="http://schemas.openxmlformats.org/drawingml/2006/main" xmlns:r="http://schemas.openxmlformats.org/officeDocument/2006/relationships" xmlns:p="http://schemas.openxmlformats.org/presentationml/2006/main">
+  <p:cSld>
+    <p:bg>
+      <p:bgPr>
+        <a:solidFill>
+          <a:schemeClr val="bg1"/>
+        </a:solidFill>
+        <a:effectLst/>
+      </p:bgPr>
+    </p:bg>
+    <p:spTree>
+      <p:nvGrpSpPr>
+        <p:cNvPr id="1" name=""/>
+        <p:cNvGrpSpPr/>
+        <p:nvPr/>
+      </p:nvGrpSpPr>
+      <p:grpSpPr>
+        <a:xfrm>
+          <a:off x="0" y="0"/>
+          <a:ext cx="0" cy="0"/>
+          <a:chOff x="0" y="0"/>
+          <a:chExt cx="0" cy="0"/>
+        </a:xfrm>
+      </p:grpSpPr>
+      <p:sp>
+        <p:nvSpPr>
+          <p:cNvPr id="4" name="矩形 3"/>
+          <p:cNvSpPr/>
+          <p:nvPr/>
+        </p:nvSpPr>
+        <p:spPr>
+          <a:xfrm>
+            <a:off x="-41275" y="0"/>
+            <a:ext cx="12232640" cy="1104265"/>
+          </a:xfrm>
+          <a:prstGeom prst="rect">
+            <a:avLst/>
+          </a:prstGeom>
+          <a:solidFill>
+            <a:srgbClr val="DA2128"/>
+          </a:solidFill>
+          <a:ln>
+            <a:noFill/>
+          </a:ln>
+        </p:spPr>
+        <p:style>
+          <a:lnRef idx="2">
+            <a:schemeClr val="accent1">
+              <a:shade val="50000"/>
+            </a:schemeClr>
+          </a:lnRef>
+          <a:fillRef idx="1">
+            <a:schemeClr val="accent1"/>
+          </a:fillRef>
+          <a:effectRef idx="0">
+            <a:schemeClr val="accent1"/>
+          </a:effectRef>
+          <a:fontRef idx="minor">
+            <a:schemeClr val="lt1"/>
+          </a:fontRef>
+        </p:style>
+        <p:txBody>
+          <a:bodyPr rtlCol="0" anchor="ctr"/>
+          <a:p>
+            <a:pPr algn="ctr"/>
+            <a:endParaRPr lang="zh-CN" altLang="en-US"/>
+          </a:p>
+        </p:txBody>
+      </p:sp>
+      <p:pic>
+        <p:nvPicPr>
+          <p:cNvPr id="5" name="图片 4" descr="logo"/>
+          <p:cNvPicPr>
+            <a:picLocks noChangeAspect="1"/>
+          </p:cNvPicPr>
+          <p:nvPr/>
+        </p:nvPicPr>
+        <p:blipFill>
+          <a:blip r:embed="rId1"/>
+          <a:stretch>
+            <a:fillRect/>
+          </a:stretch>
+        </p:blipFill>
+        <p:spPr>
+          <a:xfrm>
+            <a:off x="662940" y="262255"/>
+            <a:ext cx="2931160" cy="652145"/>
+          </a:xfrm>
+          <a:prstGeom prst="rect">
+            <a:avLst/>
+          </a:prstGeom>
+        </p:spPr>
+      </p:pic>
+      <p:pic>
+        <p:nvPicPr>
+          <p:cNvPr id="6" name="图片 5" descr="head_bg"/>
+          <p:cNvPicPr>
+            <a:picLocks noChangeAspect="1"/>
+          </p:cNvPicPr>
+          <p:nvPr/>
+        </p:nvPicPr>
+        <p:blipFill>
+          <a:blip r:embed="rId2"/>
+          <a:stretch>
+            <a:fillRect/>
+          </a:stretch>
+        </p:blipFill>
+        <p:spPr>
+          <a:xfrm>
+            <a:off x="7825105" y="64770"/>
+            <a:ext cx="4227830" cy="974725"/>
+          </a:xfrm>
+          <a:prstGeom prst="rect">
+            <a:avLst/>
+          </a:prstGeom>
+        </p:spPr>
+      </p:pic>
+      <p:sp>
+        <p:nvSpPr>
+          <p:cNvPr id="7" name="文本框 6"/>
+          <p:cNvSpPr txBox="1"/>
+          <p:nvPr/>
+        </p:nvSpPr>
+        <p:spPr>
+          <a:xfrm>
+            <a:off x="3963035" y="296545"/>
+            <a:ext cx="2214245" cy="583565"/>
+          </a:xfrm>
+          <a:prstGeom prst="rect">
+            <a:avLst/>
+          </a:prstGeom>
+          <a:noFill/>
+        </p:spPr>
+        <p:txBody>
+          <a:bodyPr wrap="square" rtlCol="0">
+            <a:spAutoFit/>
+          </a:bodyPr>
+          <a:p>
+            <a:r>
+              <a:rPr lang="zh-CN" altLang="en-US" sz="3200" b="1">
+                <a:solidFill>
+                  <a:schemeClr val="bg1"/>
+                </a:solidFill>
+              </a:rPr>
+              <a:t>基础部分</a:t>
+            </a:r>
+            <a:endParaRPr lang="zh-CN" altLang="en-US" sz="3200" b="1">
+              <a:solidFill>
+                <a:schemeClr val="bg1"/>
+              </a:solidFill>
+            </a:endParaRPr>
+          </a:p>
+        </p:txBody>
+      </p:sp>
+      <p:sp>
+        <p:nvSpPr>
+          <p:cNvPr id="2" name="文本框 1"/>
+          <p:cNvSpPr txBox="1"/>
+          <p:nvPr/>
+        </p:nvSpPr>
+        <p:spPr>
+          <a:xfrm>
+            <a:off x="5835650" y="462915"/>
+            <a:ext cx="1989455" cy="368300"/>
+          </a:xfrm>
+          <a:prstGeom prst="rect">
+            <a:avLst/>
+          </a:prstGeom>
+          <a:noFill/>
+        </p:spPr>
+        <p:txBody>
+          <a:bodyPr wrap="square" rtlCol="0">
+            <a:spAutoFit/>
+          </a:bodyPr>
+          <a:p>
+            <a:r>
+              <a:rPr lang="zh-CN">
+                <a:solidFill>
+                  <a:schemeClr val="bg1"/>
+                </a:solidFill>
+              </a:rPr>
+              <a:t>设计规范</a:t>
+            </a:r>
+            <a:endParaRPr lang="zh-CN">
+              <a:solidFill>
+                <a:schemeClr val="bg1"/>
+              </a:solidFill>
+            </a:endParaRPr>
+          </a:p>
+        </p:txBody>
+      </p:sp>
+      <p:sp>
+        <p:nvSpPr>
+          <p:cNvPr id="3" name="文本框 2"/>
+          <p:cNvSpPr txBox="1"/>
+          <p:nvPr/>
+        </p:nvSpPr>
+        <p:spPr>
+          <a:xfrm>
+            <a:off x="670560" y="1390015"/>
+            <a:ext cx="1448435" cy="368300"/>
+          </a:xfrm>
+          <a:prstGeom prst="rect">
+            <a:avLst/>
+          </a:prstGeom>
+          <a:noFill/>
+        </p:spPr>
+        <p:txBody>
+          <a:bodyPr wrap="square" rtlCol="0">
+            <a:spAutoFit/>
+          </a:bodyPr>
+          <a:p>
+            <a:r>
+              <a:rPr lang="zh-CN" altLang="en-US"/>
+              <a:t>布局</a:t>
+            </a:r>
+            <a:endParaRPr lang="zh-CN" altLang="en-US"/>
+          </a:p>
+        </p:txBody>
+      </p:sp>
+      <p:pic>
+        <p:nvPicPr>
+          <p:cNvPr id="163" name="图片 163" descr="屏幕截图 2021-01-04 215022"/>
+          <p:cNvPicPr>
+            <a:picLocks noChangeAspect="1"/>
+          </p:cNvPicPr>
+          <p:nvPr/>
+        </p:nvPicPr>
+        <p:blipFill>
+          <a:blip r:embed="rId3"/>
+          <a:stretch>
+            <a:fillRect/>
+          </a:stretch>
+        </p:blipFill>
+        <p:spPr>
+          <a:xfrm>
+            <a:off x="767398" y="1758315"/>
+            <a:ext cx="5688965" cy="2185670"/>
+          </a:xfrm>
+          <a:prstGeom prst="rect">
+            <a:avLst/>
+          </a:prstGeom>
+        </p:spPr>
+      </p:pic>
+      <p:pic>
+        <p:nvPicPr>
+          <p:cNvPr id="164" name="图片 164" descr="屏幕截图 2021-01-04 215620"/>
+          <p:cNvPicPr>
+            <a:picLocks noChangeAspect="1"/>
+          </p:cNvPicPr>
+          <p:nvPr/>
+        </p:nvPicPr>
+        <p:blipFill>
+          <a:blip r:embed="rId4"/>
+          <a:stretch>
+            <a:fillRect/>
+          </a:stretch>
+        </p:blipFill>
+        <p:spPr>
+          <a:xfrm>
+            <a:off x="662623" y="4172268"/>
+            <a:ext cx="5940425" cy="2023745"/>
+          </a:xfrm>
+          <a:prstGeom prst="rect">
+            <a:avLst/>
+          </a:prstGeom>
+        </p:spPr>
+      </p:pic>
+    </p:spTree>
+    <p:custDataLst>
+      <p:tags r:id="rId5"/>
+    </p:custDataLst>
+  </p:cSld>
+  <p:clrMapOvr>
+    <a:masterClrMapping/>
+  </p:clrMapOvr>
+</p:sld>
+</file>
+
 <file path=ppt/tags/tag1.xml><?xml version="1.0" encoding="utf-8"?>
 <p:tagLst xmlns:p="http://schemas.openxmlformats.org/presentationml/2006/main">
   <p:tag name="KSO_WM_UNIT_HIGHLIGHT" val="0"/>
@@ -6143,6 +8627,153 @@
   <p:tag name="KSO_WM_UNIT_LAYERLEVEL" val="1"/>
   <p:tag name="KSO_WM_TAG_VERSION" val="1.0"/>
   <p:tag name="KSO_WM_BEAUTIFY_FLAG" val="#wm#"/>
+</p:tagLst>
+</file>
+
+<file path=ppt/tags/tag70.xml><?xml version="1.0" encoding="utf-8"?>
+<p:tagLst xmlns:p="http://schemas.openxmlformats.org/presentationml/2006/main">
+  <p:tag name="KSO_WM_SLIDE_ID" val="custom20205176_1"/>
+  <p:tag name="KSO_WM_TEMPLATE_SUBCATEGORY" val="19"/>
+  <p:tag name="KSO_WM_TEMPLATE_MASTER_TYPE" val="0"/>
+  <p:tag name="KSO_WM_TEMPLATE_COLOR_TYPE" val="1"/>
+  <p:tag name="KSO_WM_SLIDE_TYPE" val="title"/>
+  <p:tag name="KSO_WM_SLIDE_SUBTYPE" val="defaultBlank"/>
+  <p:tag name="KSO_WM_SLIDE_ITEM_CNT" val="0"/>
+  <p:tag name="KSO_WM_SLIDE_INDEX" val="1"/>
+  <p:tag name="KSO_WM_TAG_VERSION" val="1.0"/>
+  <p:tag name="KSO_WM_BEAUTIFY_FLAG" val="#wm#"/>
+  <p:tag name="KSO_WM_TEMPLATE_CATEGORY" val="custom"/>
+  <p:tag name="KSO_WM_TEMPLATE_INDEX" val="20205176"/>
+  <p:tag name="KSO_WM_SLIDE_LAYOUT" val="a_b"/>
+  <p:tag name="KSO_WM_SLIDE_LAYOUT_CNT" val="1_1"/>
+  <p:tag name="KSO_WM_UNIT_SHOW_EDIT_AREA_INDICATION" val="1"/>
+  <p:tag name="KSO_WM_TEMPLATE_THUMBS_INDEX" val="1、4、7、12、13、14、15、16、17、18、20、24、25、28、33、36、40、43、44"/>
+</p:tagLst>
+</file>
+
+<file path=ppt/tags/tag71.xml><?xml version="1.0" encoding="utf-8"?>
+<p:tagLst xmlns:p="http://schemas.openxmlformats.org/presentationml/2006/main">
+  <p:tag name="KSO_WM_SLIDE_ID" val="custom20205176_1"/>
+  <p:tag name="KSO_WM_TEMPLATE_SUBCATEGORY" val="19"/>
+  <p:tag name="KSO_WM_TEMPLATE_MASTER_TYPE" val="0"/>
+  <p:tag name="KSO_WM_TEMPLATE_COLOR_TYPE" val="1"/>
+  <p:tag name="KSO_WM_SLIDE_TYPE" val="title"/>
+  <p:tag name="KSO_WM_SLIDE_SUBTYPE" val="defaultBlank"/>
+  <p:tag name="KSO_WM_SLIDE_ITEM_CNT" val="0"/>
+  <p:tag name="KSO_WM_SLIDE_INDEX" val="1"/>
+  <p:tag name="KSO_WM_TAG_VERSION" val="1.0"/>
+  <p:tag name="KSO_WM_BEAUTIFY_FLAG" val="#wm#"/>
+  <p:tag name="KSO_WM_TEMPLATE_CATEGORY" val="custom"/>
+  <p:tag name="KSO_WM_TEMPLATE_INDEX" val="20205176"/>
+  <p:tag name="KSO_WM_SLIDE_LAYOUT" val="a_b"/>
+  <p:tag name="KSO_WM_SLIDE_LAYOUT_CNT" val="1_1"/>
+  <p:tag name="KSO_WM_UNIT_SHOW_EDIT_AREA_INDICATION" val="1"/>
+  <p:tag name="KSO_WM_TEMPLATE_THUMBS_INDEX" val="1、4、7、12、13、14、15、16、17、18、20、24、25、28、33、36、40、43、44"/>
+</p:tagLst>
+</file>
+
+<file path=ppt/tags/tag72.xml><?xml version="1.0" encoding="utf-8"?>
+<p:tagLst xmlns:p="http://schemas.openxmlformats.org/presentationml/2006/main">
+  <p:tag name="KSO_WM_SLIDE_ID" val="custom20205176_1"/>
+  <p:tag name="KSO_WM_TEMPLATE_SUBCATEGORY" val="19"/>
+  <p:tag name="KSO_WM_TEMPLATE_MASTER_TYPE" val="0"/>
+  <p:tag name="KSO_WM_TEMPLATE_COLOR_TYPE" val="1"/>
+  <p:tag name="KSO_WM_SLIDE_TYPE" val="title"/>
+  <p:tag name="KSO_WM_SLIDE_SUBTYPE" val="defaultBlank"/>
+  <p:tag name="KSO_WM_SLIDE_ITEM_CNT" val="0"/>
+  <p:tag name="KSO_WM_SLIDE_INDEX" val="1"/>
+  <p:tag name="KSO_WM_TAG_VERSION" val="1.0"/>
+  <p:tag name="KSO_WM_BEAUTIFY_FLAG" val="#wm#"/>
+  <p:tag name="KSO_WM_TEMPLATE_CATEGORY" val="custom"/>
+  <p:tag name="KSO_WM_TEMPLATE_INDEX" val="20205176"/>
+  <p:tag name="KSO_WM_SLIDE_LAYOUT" val="a_b"/>
+  <p:tag name="KSO_WM_SLIDE_LAYOUT_CNT" val="1_1"/>
+  <p:tag name="KSO_WM_UNIT_SHOW_EDIT_AREA_INDICATION" val="1"/>
+  <p:tag name="KSO_WM_TEMPLATE_THUMBS_INDEX" val="1、4、7、12、13、14、15、16、17、18、20、24、25、28、33、36、40、43、44"/>
+</p:tagLst>
+</file>
+
+<file path=ppt/tags/tag73.xml><?xml version="1.0" encoding="utf-8"?>
+<p:tagLst xmlns:p="http://schemas.openxmlformats.org/presentationml/2006/main">
+  <p:tag name="KSO_WM_SLIDE_ID" val="custom20205176_1"/>
+  <p:tag name="KSO_WM_TEMPLATE_SUBCATEGORY" val="19"/>
+  <p:tag name="KSO_WM_TEMPLATE_MASTER_TYPE" val="0"/>
+  <p:tag name="KSO_WM_TEMPLATE_COLOR_TYPE" val="1"/>
+  <p:tag name="KSO_WM_SLIDE_TYPE" val="title"/>
+  <p:tag name="KSO_WM_SLIDE_SUBTYPE" val="defaultBlank"/>
+  <p:tag name="KSO_WM_SLIDE_ITEM_CNT" val="0"/>
+  <p:tag name="KSO_WM_SLIDE_INDEX" val="1"/>
+  <p:tag name="KSO_WM_TAG_VERSION" val="1.0"/>
+  <p:tag name="KSO_WM_BEAUTIFY_FLAG" val="#wm#"/>
+  <p:tag name="KSO_WM_TEMPLATE_CATEGORY" val="custom"/>
+  <p:tag name="KSO_WM_TEMPLATE_INDEX" val="20205176"/>
+  <p:tag name="KSO_WM_SLIDE_LAYOUT" val="a_b"/>
+  <p:tag name="KSO_WM_SLIDE_LAYOUT_CNT" val="1_1"/>
+  <p:tag name="KSO_WM_UNIT_SHOW_EDIT_AREA_INDICATION" val="1"/>
+  <p:tag name="KSO_WM_TEMPLATE_THUMBS_INDEX" val="1、4、7、12、13、14、15、16、17、18、20、24、25、28、33、36、40、43、44"/>
+</p:tagLst>
+</file>
+
+<file path=ppt/tags/tag74.xml><?xml version="1.0" encoding="utf-8"?>
+<p:tagLst xmlns:p="http://schemas.openxmlformats.org/presentationml/2006/main">
+  <p:tag name="KSO_WM_SLIDE_ID" val="custom20205176_1"/>
+  <p:tag name="KSO_WM_TEMPLATE_SUBCATEGORY" val="19"/>
+  <p:tag name="KSO_WM_TEMPLATE_MASTER_TYPE" val="0"/>
+  <p:tag name="KSO_WM_TEMPLATE_COLOR_TYPE" val="1"/>
+  <p:tag name="KSO_WM_SLIDE_TYPE" val="title"/>
+  <p:tag name="KSO_WM_SLIDE_SUBTYPE" val="defaultBlank"/>
+  <p:tag name="KSO_WM_SLIDE_ITEM_CNT" val="0"/>
+  <p:tag name="KSO_WM_SLIDE_INDEX" val="1"/>
+  <p:tag name="KSO_WM_TAG_VERSION" val="1.0"/>
+  <p:tag name="KSO_WM_BEAUTIFY_FLAG" val="#wm#"/>
+  <p:tag name="KSO_WM_TEMPLATE_CATEGORY" val="custom"/>
+  <p:tag name="KSO_WM_TEMPLATE_INDEX" val="20205176"/>
+  <p:tag name="KSO_WM_SLIDE_LAYOUT" val="a_b"/>
+  <p:tag name="KSO_WM_SLIDE_LAYOUT_CNT" val="1_1"/>
+  <p:tag name="KSO_WM_UNIT_SHOW_EDIT_AREA_INDICATION" val="1"/>
+  <p:tag name="KSO_WM_TEMPLATE_THUMBS_INDEX" val="1、4、7、12、13、14、15、16、17、18、20、24、25、28、33、36、40、43、44"/>
+</p:tagLst>
+</file>
+
+<file path=ppt/tags/tag75.xml><?xml version="1.0" encoding="utf-8"?>
+<p:tagLst xmlns:p="http://schemas.openxmlformats.org/presentationml/2006/main">
+  <p:tag name="KSO_WM_SLIDE_ID" val="custom20205176_1"/>
+  <p:tag name="KSO_WM_TEMPLATE_SUBCATEGORY" val="19"/>
+  <p:tag name="KSO_WM_TEMPLATE_MASTER_TYPE" val="0"/>
+  <p:tag name="KSO_WM_TEMPLATE_COLOR_TYPE" val="1"/>
+  <p:tag name="KSO_WM_SLIDE_TYPE" val="title"/>
+  <p:tag name="KSO_WM_SLIDE_SUBTYPE" val="defaultBlank"/>
+  <p:tag name="KSO_WM_SLIDE_ITEM_CNT" val="0"/>
+  <p:tag name="KSO_WM_SLIDE_INDEX" val="1"/>
+  <p:tag name="KSO_WM_TAG_VERSION" val="1.0"/>
+  <p:tag name="KSO_WM_BEAUTIFY_FLAG" val="#wm#"/>
+  <p:tag name="KSO_WM_TEMPLATE_CATEGORY" val="custom"/>
+  <p:tag name="KSO_WM_TEMPLATE_INDEX" val="20205176"/>
+  <p:tag name="KSO_WM_SLIDE_LAYOUT" val="a_b"/>
+  <p:tag name="KSO_WM_SLIDE_LAYOUT_CNT" val="1_1"/>
+  <p:tag name="KSO_WM_UNIT_SHOW_EDIT_AREA_INDICATION" val="1"/>
+  <p:tag name="KSO_WM_TEMPLATE_THUMBS_INDEX" val="1、4、7、12、13、14、15、16、17、18、20、24、25、28、33、36、40、43、44"/>
+</p:tagLst>
+</file>
+
+<file path=ppt/tags/tag76.xml><?xml version="1.0" encoding="utf-8"?>
+<p:tagLst xmlns:p="http://schemas.openxmlformats.org/presentationml/2006/main">
+  <p:tag name="KSO_WM_SLIDE_ID" val="custom20205176_1"/>
+  <p:tag name="KSO_WM_TEMPLATE_SUBCATEGORY" val="19"/>
+  <p:tag name="KSO_WM_TEMPLATE_MASTER_TYPE" val="0"/>
+  <p:tag name="KSO_WM_TEMPLATE_COLOR_TYPE" val="1"/>
+  <p:tag name="KSO_WM_SLIDE_TYPE" val="title"/>
+  <p:tag name="KSO_WM_SLIDE_SUBTYPE" val="defaultBlank"/>
+  <p:tag name="KSO_WM_SLIDE_ITEM_CNT" val="0"/>
+  <p:tag name="KSO_WM_SLIDE_INDEX" val="1"/>
+  <p:tag name="KSO_WM_TAG_VERSION" val="1.0"/>
+  <p:tag name="KSO_WM_BEAUTIFY_FLAG" val="#wm#"/>
+  <p:tag name="KSO_WM_TEMPLATE_CATEGORY" val="custom"/>
+  <p:tag name="KSO_WM_TEMPLATE_INDEX" val="20205176"/>
+  <p:tag name="KSO_WM_SLIDE_LAYOUT" val="a_b"/>
+  <p:tag name="KSO_WM_SLIDE_LAYOUT_CNT" val="1_1"/>
+  <p:tag name="KSO_WM_UNIT_SHOW_EDIT_AREA_INDICATION" val="1"/>
+  <p:tag name="KSO_WM_TEMPLATE_THUMBS_INDEX" val="1、4、7、12、13、14、15、16、17、18、20、24、25、28、33、36、40、43、44"/>
 </p:tagLst>
 </file>
 
